--- a/811M-Ch09_GraphDatabase.pptx
+++ b/811M-Ch09_GraphDatabase.pptx
@@ -280,7 +280,7 @@
               <a:rPr lang="en-US" dirty="0">
                 <a:latin typeface="Tahoma" pitchFamily="34" charset="0"/>
               </a:rPr>
-              <a:t>811: Machine Learning with Python</a:t>
+              <a:t>811M: Python for Data Scientists</a:t>
             </a:r>
           </a:p>
         </p:txBody>
@@ -339,7 +339,7 @@
                 <a:ea typeface="Tahoma" pitchFamily="34" charset="0"/>
                 <a:cs typeface="Tahoma" pitchFamily="34" charset="0"/>
               </a:rPr>
-              <a:t>Chapter 6</a:t>
+              <a:t>Chapter 9</a:t>
             </a:r>
           </a:p>
         </p:txBody>
@@ -729,7 +729,7 @@
                 </a:solidFill>
                 <a:latin typeface="Tahoma" pitchFamily="34" charset="0"/>
               </a:rPr>
-              <a:t>Chapter 6-</a:t>
+              <a:t>Chapter 9-</a:t>
             </a:r>
             <a:fld id="{9C58707A-6F60-4D20-8A8B-4F90B88EA4F7}" type="slidenum">
               <a:rPr lang="en-US" sz="1200" smtClean="0">
@@ -802,7 +802,7 @@
                 </a:solidFill>
                 <a:latin typeface="Tahoma" pitchFamily="34" charset="0"/>
               </a:rPr>
-              <a:t>811: Machine Learning with Python</a:t>
+              <a:t>811M: Python for Data Scientists</a:t>
             </a:r>
           </a:p>
         </p:txBody>
@@ -4281,7 +4281,7 @@
   <p:clrMapOvr>
     <a:masterClrMapping/>
   </p:clrMapOvr>
-  <p:extLst mod="1">
+  <p:extLst>
     <p:ext uri="{DCECCB84-F9BA-43D5-87BE-67443E8EF086}">
       <p15:sldGuideLst xmlns:p15="http://schemas.microsoft.com/office/powerpoint/2012/main"/>
     </p:ext>
@@ -4622,7 +4622,7 @@
   <p:clrMapOvr>
     <a:masterClrMapping/>
   </p:clrMapOvr>
-  <p:extLst mod="1">
+  <p:extLst>
     <p:ext uri="{DCECCB84-F9BA-43D5-87BE-67443E8EF086}">
       <p15:sldGuideLst xmlns:p15="http://schemas.microsoft.com/office/powerpoint/2012/main"/>
     </p:ext>
@@ -6599,7 +6599,7 @@
                 <a:ea typeface="Tahoma" panose="020B0604030504040204" pitchFamily="34" charset="0"/>
                 <a:cs typeface="Tahoma" panose="020B0604030504040204" pitchFamily="34" charset="0"/>
               </a:rPr>
-              <a:t>811: Machine Learning with Python</a:t>
+              <a:t>811M: Python for Data Scientists</a:t>
             </a:r>
           </a:p>
         </p:txBody>
@@ -7186,7 +7186,7 @@
       </a:lvl9pPr>
     </p:otherStyle>
   </p:txStyles>
-  <p:extLst mod="1">
+  <p:extLst>
     <p:ext uri="{27BBF7A9-308A-43DC-89C8-2F10F3537804}">
       <p15:sldGuideLst xmlns:p15="http://schemas.microsoft.com/office/powerpoint/2012/main"/>
     </p:ext>
@@ -7263,7 +7263,7 @@
           <a:p>
             <a:r>
               <a:rPr lang="en-US" dirty="0"/>
-              <a:t>Machine Learning with Python</a:t>
+              <a:t>Python for Data Scientists</a:t>
             </a:r>
           </a:p>
         </p:txBody>
@@ -7315,15 +7315,7 @@
           <a:p>
             <a:r>
               <a:rPr lang="en-US" dirty="0"/>
-              <a:t>Data can be easily read from </a:t>
-            </a:r>
-            <a:r>
-              <a:rPr lang="en-US" dirty="0" err="1"/>
-              <a:t>Numpy</a:t>
-            </a:r>
-            <a:r>
-              <a:rPr lang="en-US" dirty="0"/>
-              <a:t> arrays</a:t>
+              <a:t>Data can be easily read from NumPy arrays</a:t>
             </a:r>
           </a:p>
         </p:txBody>
@@ -7345,13 +7337,8 @@
           <a:p>
             <a:r>
               <a:rPr lang="en-US" dirty="0"/>
-              <a:t>Reading Data from </a:t>
-            </a:r>
-            <a:r>
-              <a:rPr lang="en-US" dirty="0" err="1"/>
-              <a:t>Numpy</a:t>
-            </a:r>
-            <a:endParaRPr lang="en-US" dirty="0"/>
+              <a:t>Reading Data from NumPy</a:t>
+            </a:r>
           </a:p>
         </p:txBody>
       </p:sp>
@@ -7383,7 +7370,7 @@
         </p:blipFill>
         <p:spPr>
           <a:xfrm>
-            <a:off x="3344091" y="2526084"/>
+            <a:off x="3469985" y="2160324"/>
             <a:ext cx="5131090" cy="3850962"/>
           </a:xfrm>
           <a:prstGeom prst="rect">
@@ -7405,8 +7392,8 @@
         </p:nvSpPr>
         <p:spPr>
           <a:xfrm>
-            <a:off x="1050925" y="1710807"/>
-            <a:ext cx="4792246" cy="1569660"/>
+            <a:off x="895477" y="1646799"/>
+            <a:ext cx="3978275" cy="1569660"/>
           </a:xfrm>
           <a:prstGeom prst="rect">
             <a:avLst/>
@@ -7542,33 +7529,13 @@
           <a:p>
             <a:r>
               <a:rPr lang="en-US" sz="1600" b="1" dirty="0"/>
-              <a:t>import </a:t>
-            </a:r>
-            <a:r>
-              <a:rPr lang="en-US" sz="1600" b="1" dirty="0" err="1"/>
-              <a:t>numpy</a:t>
-            </a:r>
+              <a:t>import numpy as np</a:t>
+            </a:r>
+          </a:p>
+          <a:p>
             <a:r>
               <a:rPr lang="en-US" sz="1600" b="1" dirty="0"/>
-              <a:t> as np</a:t>
-            </a:r>
-          </a:p>
-          <a:p>
-            <a:r>
-              <a:rPr lang="en-US" sz="1600" b="1" dirty="0" err="1"/>
-              <a:t>adj</a:t>
-            </a:r>
-            <a:r>
-              <a:rPr lang="en-US" sz="1600" b="1" dirty="0"/>
-              <a:t> = </a:t>
-            </a:r>
-            <a:r>
-              <a:rPr lang="en-US" sz="1600" b="1" dirty="0" err="1"/>
-              <a:t>np.array</a:t>
-            </a:r>
-            <a:r>
-              <a:rPr lang="en-US" sz="1600" b="1" dirty="0"/>
-              <a:t>([[0, 1, 1], </a:t>
+              <a:t>adj = np.array([[0, 1, 1], </a:t>
             </a:r>
           </a:p>
           <a:p>
@@ -7586,33 +7553,13 @@
           <a:p>
             <a:r>
               <a:rPr lang="en-US" sz="1600" b="1" dirty="0"/>
-              <a:t>G2 = </a:t>
-            </a:r>
-            <a:r>
-              <a:rPr lang="en-US" sz="1600" b="1" dirty="0" err="1"/>
-              <a:t>nx.from_numpy_matrix</a:t>
-            </a:r>
+              <a:t>G2 = nx.from_numpy_matrix(adj)</a:t>
+            </a:r>
+          </a:p>
+          <a:p>
             <a:r>
               <a:rPr lang="en-US" sz="1600" b="1" dirty="0"/>
-              <a:t>(</a:t>
-            </a:r>
-            <a:r>
-              <a:rPr lang="en-US" sz="1600" b="1" dirty="0" err="1"/>
-              <a:t>adj</a:t>
-            </a:r>
-            <a:r>
-              <a:rPr lang="en-US" sz="1600" b="1" dirty="0"/>
-              <a:t>)</a:t>
-            </a:r>
-          </a:p>
-          <a:p>
-            <a:r>
-              <a:rPr lang="en-US" sz="1600" b="1" dirty="0" err="1"/>
-              <a:t>nx.draw_networkx</a:t>
-            </a:r>
-            <a:r>
-              <a:rPr lang="en-US" sz="1600" b="1" dirty="0"/>
-              <a:t>(G2)</a:t>
+              <a:t>nx.draw_networkx(G2)</a:t>
             </a:r>
           </a:p>
         </p:txBody>
@@ -7662,7 +7609,7 @@
           <p:nvPr/>
         </p:nvPicPr>
         <p:blipFill>
-          <a:blip r:embed="rId3">
+          <a:blip r:embed="rId3" cstate="print">
             <a:extLst>
               <a:ext uri="{28A0092B-C50C-407E-A947-70E740481C1C}">
                 <a14:useLocalDpi xmlns:a14="http://schemas.microsoft.com/office/drawing/2010/main" val="0"/>
@@ -7675,7 +7622,7 @@
         </p:blipFill>
         <p:spPr>
           <a:xfrm>
-            <a:off x="5199789" y="2709973"/>
+            <a:off x="4696869" y="2741944"/>
             <a:ext cx="4376057" cy="3486286"/>
           </a:xfrm>
           <a:prstGeom prst="rect">
@@ -7700,7 +7647,7 @@
           <a:p>
             <a:r>
               <a:rPr lang="en-US" dirty="0"/>
-              <a:t>Using additional data in the nodes and edges, the plot can customize features such as size, shape, color, line thickness and style to create a visual representation of the features that will help identify meaningful information</a:t>
+              <a:t>Using additional data in the nodes and edges, the plot can customize features such as size, shape, color, line thickness, and style to create a visual representation of the features that will help identify meaningful information</a:t>
             </a:r>
           </a:p>
           <a:p>
@@ -7744,8 +7691,8 @@
         </p:nvSpPr>
         <p:spPr>
           <a:xfrm>
-            <a:off x="328114" y="2401816"/>
-            <a:ext cx="8659132" cy="2800767"/>
+            <a:off x="392122" y="2456680"/>
+            <a:ext cx="6465878" cy="2462213"/>
           </a:xfrm>
           <a:prstGeom prst="rect">
             <a:avLst/>
@@ -7880,212 +7827,68 @@
           </a:lstStyle>
           <a:p>
             <a:r>
-              <a:rPr lang="en-US" sz="1600" b="1" dirty="0"/>
-              <a:t>eigen = </a:t>
-            </a:r>
-            <a:r>
-              <a:rPr lang="en-US" sz="1600" b="1" dirty="0" err="1"/>
-              <a:t>nx.eigenvector_centrality</a:t>
-            </a:r>
-            <a:r>
-              <a:rPr lang="en-US" sz="1600" b="1" dirty="0"/>
-              <a:t>(G)</a:t>
-            </a:r>
-          </a:p>
-          <a:p>
-            <a:r>
-              <a:rPr lang="en-US" sz="1600" b="1" dirty="0"/>
-              <a:t>ns = [15 * x['size'] for _,x in </a:t>
-            </a:r>
-            <a:r>
-              <a:rPr lang="en-US" sz="1600" b="1" dirty="0" err="1"/>
-              <a:t>G.nodes</a:t>
-            </a:r>
-            <a:r>
-              <a:rPr lang="en-US" sz="1600" b="1" dirty="0"/>
-              <a:t>(data=True)]</a:t>
-            </a:r>
-          </a:p>
-          <a:p>
-            <a:r>
-              <a:rPr lang="en-US" sz="1600" b="1" dirty="0" err="1"/>
-              <a:t>nc</a:t>
-            </a:r>
-            <a:r>
-              <a:rPr lang="en-US" sz="1600" b="1" dirty="0"/>
-              <a:t> = ['r' if x &gt;= .5 else 'g' for x in </a:t>
-            </a:r>
-            <a:r>
-              <a:rPr lang="en-US" sz="1600" b="1" dirty="0" err="1"/>
-              <a:t>eigen.values</a:t>
-            </a:r>
-            <a:r>
-              <a:rPr lang="en-US" sz="1600" b="1" dirty="0"/>
-              <a:t>()]</a:t>
-            </a:r>
-          </a:p>
-          <a:p>
-            <a:r>
-              <a:rPr lang="en-US" sz="1600" b="1" dirty="0" err="1"/>
-              <a:t>nx.draw_networkx_nodes</a:t>
-            </a:r>
-            <a:r>
-              <a:rPr lang="en-US" sz="1600" b="1" dirty="0"/>
-              <a:t>(G, </a:t>
-            </a:r>
-            <a:r>
-              <a:rPr lang="en-US" sz="1600" b="1" dirty="0" err="1"/>
-              <a:t>pos</a:t>
-            </a:r>
-            <a:r>
-              <a:rPr lang="en-US" sz="1600" b="1" dirty="0"/>
-              <a:t>, </a:t>
-            </a:r>
-            <a:r>
-              <a:rPr lang="en-US" sz="1600" b="1" dirty="0" err="1"/>
-              <a:t>node_size</a:t>
-            </a:r>
-            <a:r>
-              <a:rPr lang="en-US" sz="1600" b="1" dirty="0"/>
-              <a:t>=ns, </a:t>
-            </a:r>
-            <a:r>
-              <a:rPr lang="en-US" sz="1600" b="1" dirty="0" err="1"/>
-              <a:t>node_color</a:t>
-            </a:r>
-            <a:r>
-              <a:rPr lang="en-US" sz="1600" b="1" dirty="0"/>
-              <a:t>=</a:t>
-            </a:r>
-            <a:r>
-              <a:rPr lang="en-US" sz="1600" b="1" dirty="0" err="1"/>
-              <a:t>nc</a:t>
-            </a:r>
-            <a:r>
-              <a:rPr lang="en-US" sz="1600" b="1" dirty="0"/>
-              <a:t>)</a:t>
-            </a:r>
-          </a:p>
-          <a:p>
-            <a:endParaRPr lang="en-US" sz="1600" b="1" dirty="0"/>
-          </a:p>
-          <a:p>
-            <a:r>
-              <a:rPr lang="en-US" sz="1600" b="1" dirty="0"/>
+              <a:rPr lang="en-US" b="1" dirty="0"/>
+              <a:t>eigen = nx.eigenvector_centrality(G)</a:t>
+            </a:r>
+          </a:p>
+          <a:p>
+            <a:r>
+              <a:rPr lang="en-US" b="1" dirty="0"/>
+              <a:t>ns = [15 * x['size'] for _,x in G.nodes(data=True)]</a:t>
+            </a:r>
+          </a:p>
+          <a:p>
+            <a:r>
+              <a:rPr lang="en-US" b="1" dirty="0"/>
+              <a:t>nc = ['r' if x &gt;= .5 else 'g' for x in eigen.values()]</a:t>
+            </a:r>
+          </a:p>
+          <a:p>
+            <a:r>
+              <a:rPr lang="en-US" b="1" dirty="0"/>
+              <a:t>nx.draw_networkx_nodes(G, pos, node_size=ns, node_color=nc)</a:t>
+            </a:r>
+          </a:p>
+          <a:p>
+            <a:endParaRPr lang="en-US" b="1" dirty="0"/>
+          </a:p>
+          <a:p>
+            <a:r>
+              <a:rPr lang="en-US" b="1" dirty="0"/>
               <a:t># edges</a:t>
             </a:r>
           </a:p>
           <a:p>
             <a:r>
-              <a:rPr lang="en-US" sz="1600" b="1" dirty="0" err="1"/>
-              <a:t>nx.draw_networkx_edges</a:t>
-            </a:r>
-            <a:r>
-              <a:rPr lang="en-US" sz="1600" b="1" dirty="0"/>
-              <a:t>(G, </a:t>
-            </a:r>
-            <a:r>
-              <a:rPr lang="en-US" sz="1600" b="1" dirty="0" err="1"/>
-              <a:t>pos</a:t>
-            </a:r>
-            <a:r>
-              <a:rPr lang="en-US" sz="1600" b="1" dirty="0"/>
-              <a:t>, \</a:t>
+              <a:rPr lang="en-US" b="1" dirty="0"/>
+              <a:t>nx.draw_networkx_edges(G, pos, \</a:t>
             </a:r>
             <a:br>
-              <a:rPr lang="en-US" sz="1600" b="1" dirty="0"/>
+              <a:rPr lang="en-US" b="1" dirty="0"/>
             </a:br>
             <a:r>
-              <a:rPr lang="en-US" sz="1600" b="1" dirty="0"/>
-              <a:t>    </a:t>
-            </a:r>
-            <a:r>
-              <a:rPr lang="en-US" sz="1600" b="1" dirty="0" err="1"/>
-              <a:t>edgelist</a:t>
-            </a:r>
-            <a:r>
-              <a:rPr lang="en-US" sz="1600" b="1" dirty="0"/>
-              <a:t>=</a:t>
-            </a:r>
-            <a:r>
-              <a:rPr lang="en-US" sz="1600" b="1" dirty="0" err="1"/>
-              <a:t>elarge</a:t>
-            </a:r>
-            <a:r>
-              <a:rPr lang="en-US" sz="1600" b="1" dirty="0"/>
-              <a:t>, width=</a:t>
-            </a:r>
-            <a:r>
-              <a:rPr lang="en-US" sz="1600" b="1" dirty="0" err="1"/>
-              <a:t>elargeweight</a:t>
-            </a:r>
-            <a:r>
-              <a:rPr lang="en-US" sz="1600" b="1" dirty="0"/>
-              <a:t>)</a:t>
-            </a:r>
-          </a:p>
-          <a:p>
-            <a:r>
-              <a:rPr lang="en-US" sz="1600" b="1" dirty="0" err="1"/>
-              <a:t>nx.draw_networkx_edges</a:t>
-            </a:r>
-            <a:r>
-              <a:rPr lang="en-US" sz="1600" b="1" dirty="0"/>
-              <a:t>(G, </a:t>
-            </a:r>
-            <a:r>
-              <a:rPr lang="en-US" sz="1600" b="1" dirty="0" err="1"/>
-              <a:t>pos</a:t>
-            </a:r>
-            <a:r>
-              <a:rPr lang="en-US" sz="1600" b="1" dirty="0"/>
-              <a:t>, \</a:t>
+              <a:rPr lang="en-US" b="1" dirty="0"/>
+              <a:t>    edgelist=elarge, width=elargeweight)</a:t>
+            </a:r>
+          </a:p>
+          <a:p>
+            <a:r>
+              <a:rPr lang="en-US" b="1" dirty="0"/>
+              <a:t>nx.draw_networkx_edges(G, pos, \</a:t>
             </a:r>
             <a:br>
-              <a:rPr lang="en-US" sz="1600" b="1" dirty="0"/>
+              <a:rPr lang="en-US" b="1" dirty="0"/>
             </a:br>
             <a:r>
-              <a:rPr lang="en-US" sz="1600" b="1" dirty="0"/>
-              <a:t>    </a:t>
-            </a:r>
-            <a:r>
-              <a:rPr lang="en-US" sz="1600" b="1" dirty="0" err="1"/>
-              <a:t>edgelist</a:t>
-            </a:r>
-            <a:r>
-              <a:rPr lang="en-US" sz="1600" b="1" dirty="0"/>
-              <a:t>=</a:t>
-            </a:r>
-            <a:r>
-              <a:rPr lang="en-US" sz="1600" b="1" dirty="0" err="1"/>
-              <a:t>esmall</a:t>
-            </a:r>
-            <a:r>
-              <a:rPr lang="en-US" sz="1600" b="1" dirty="0"/>
-              <a:t>, width=</a:t>
-            </a:r>
-            <a:r>
-              <a:rPr lang="en-US" sz="1600" b="1" dirty="0" err="1"/>
-              <a:t>esmallweight</a:t>
-            </a:r>
-            <a:r>
-              <a:rPr lang="en-US" sz="1600" b="1" dirty="0"/>
-              <a:t>, \</a:t>
+              <a:rPr lang="en-US" b="1" dirty="0"/>
+              <a:t>    edgelist=esmall, width=esmallweight, \</a:t>
             </a:r>
             <a:br>
-              <a:rPr lang="en-US" sz="1600" b="1" dirty="0"/>
+              <a:rPr lang="en-US" b="1" dirty="0"/>
             </a:br>
             <a:r>
-              <a:rPr lang="en-US" sz="1600" b="1" dirty="0"/>
-              <a:t>    alpha=0.5, </a:t>
-            </a:r>
-            <a:r>
-              <a:rPr lang="en-US" sz="1600" b="1" dirty="0" err="1"/>
-              <a:t>edge_color</a:t>
-            </a:r>
-            <a:r>
-              <a:rPr lang="en-US" sz="1600" b="1" dirty="0"/>
-              <a:t>='b', style='dashed')</a:t>
+              <a:rPr lang="en-US" b="1" dirty="0"/>
+              <a:t>    alpha=0.5, edge_color='b', style='dashed')</a:t>
             </a:r>
           </a:p>
         </p:txBody>
@@ -8132,8 +7935,8 @@
         </p:nvSpPr>
         <p:spPr>
           <a:xfrm>
-            <a:off x="535844" y="917557"/>
-            <a:ext cx="8294647" cy="5072616"/>
+            <a:off x="581024" y="1155614"/>
+            <a:ext cx="8297799" cy="5072616"/>
           </a:xfrm>
         </p:spPr>
         <p:txBody>
@@ -8142,13 +7945,8 @@
           <a:p>
             <a:r>
               <a:rPr lang="en-US" dirty="0"/>
-              <a:t>Once you have data encoded as nodes and edges, there are tons of functions that can be run on the data to find interesting features that can be used to find particular data or display it by changing various visual </a:t>
-            </a:r>
-            <a:r>
-              <a:rPr lang="en-US" dirty="0" err="1"/>
-              <a:t>atrtibutes</a:t>
-            </a:r>
-            <a:endParaRPr lang="en-US" dirty="0"/>
+              <a:t>Once you have data encoded as nodes and edges, there are tons of functions that can be run on the data to find interesting features that can be used to find particular data or display it by changing various visual attributes</a:t>
+            </a:r>
           </a:p>
           <a:p>
             <a:r>
@@ -8159,22 +7957,46 @@
           <a:p>
             <a:pPr lvl="1"/>
             <a:r>
-              <a:rPr lang="en-US" b="1" dirty="0" err="1">
+              <a:rPr lang="en-US" b="1" dirty="0">
                 <a:latin typeface="Courier New" panose="02070309020205020404" pitchFamily="49" charset="0"/>
                 <a:cs typeface="Courier New" panose="02070309020205020404" pitchFamily="49" charset="0"/>
               </a:rPr>
               <a:t>degree_centrality</a:t>
             </a:r>
             <a:r>
+              <a:rPr lang="en-US" dirty="0">
+                <a:cs typeface="Courier New" panose="02070309020205020404" pitchFamily="49" charset="0"/>
+              </a:rPr>
+              <a:t> – </a:t>
+            </a:r>
+            <a:r>
+              <a:rPr lang="en-US" dirty="0"/>
+              <a:t>number of links in or out</a:t>
+            </a:r>
+            <a:endParaRPr lang="en-US" b="1" dirty="0">
+              <a:latin typeface="Courier New" panose="02070309020205020404" pitchFamily="49" charset="0"/>
+              <a:cs typeface="Courier New" panose="02070309020205020404" pitchFamily="49" charset="0"/>
+            </a:endParaRPr>
+          </a:p>
+          <a:p>
+            <a:pPr lvl="1"/>
+            <a:r>
               <a:rPr lang="en-US" b="1" dirty="0">
                 <a:latin typeface="Courier New" panose="02070309020205020404" pitchFamily="49" charset="0"/>
                 <a:cs typeface="Courier New" panose="02070309020205020404" pitchFamily="49" charset="0"/>
               </a:rPr>
-              <a:t> - </a:t>
+              <a:t>closeness_centrality</a:t>
+            </a:r>
+            <a:r>
+              <a:rPr lang="en-US" dirty="0">
+                <a:latin typeface="+mj-lt"/>
+                <a:cs typeface="Courier New" panose="02070309020205020404" pitchFamily="49" charset="0"/>
+              </a:rPr>
+              <a:t> – </a:t>
             </a:r>
             <a:r>
               <a:rPr lang="en-US" dirty="0"/>
-              <a:t>number of links in or out</a:t>
+              <a:t>how quickly info can pass to other from here</a:t>
             </a:r>
             <a:endParaRPr lang="en-US" b="1" dirty="0">
               <a:latin typeface="Courier New" panose="02070309020205020404" pitchFamily="49" charset="0"/>
@@ -8184,22 +8006,22 @@
           <a:p>
             <a:pPr lvl="1"/>
             <a:r>
-              <a:rPr lang="en-US" b="1" dirty="0" err="1">
-                <a:latin typeface="Courier New" panose="02070309020205020404" pitchFamily="49" charset="0"/>
-                <a:cs typeface="Courier New" panose="02070309020205020404" pitchFamily="49" charset="0"/>
-              </a:rPr>
-              <a:t>closeness_centrality</a:t>
-            </a:r>
-            <a:r>
               <a:rPr lang="en-US" b="1" dirty="0">
                 <a:latin typeface="Courier New" panose="02070309020205020404" pitchFamily="49" charset="0"/>
                 <a:cs typeface="Courier New" panose="02070309020205020404" pitchFamily="49" charset="0"/>
               </a:rPr>
+              <a:t>eigenvector_centrality</a:t>
+            </a:r>
+            <a:r>
+              <a:rPr lang="en-US" dirty="0">
+                <a:latin typeface="+mj-lt"/>
+                <a:cs typeface="Courier New" panose="02070309020205020404" pitchFamily="49" charset="0"/>
+              </a:rPr>
               <a:t> – </a:t>
             </a:r>
             <a:r>
               <a:rPr lang="en-US" dirty="0"/>
-              <a:t>how quickly info can pass to other from here</a:t>
+              <a:t>how well connected to important nodes</a:t>
             </a:r>
             <a:endParaRPr lang="en-US" b="1" dirty="0">
               <a:latin typeface="Courier New" panose="02070309020205020404" pitchFamily="49" charset="0"/>
@@ -8209,22 +8031,21 @@
           <a:p>
             <a:pPr lvl="1"/>
             <a:r>
-              <a:rPr lang="en-US" b="1" dirty="0" err="1">
-                <a:latin typeface="Courier New" panose="02070309020205020404" pitchFamily="49" charset="0"/>
-                <a:cs typeface="Courier New" panose="02070309020205020404" pitchFamily="49" charset="0"/>
-              </a:rPr>
-              <a:t>eigenvector_centrality</a:t>
-            </a:r>
-            <a:r>
               <a:rPr lang="en-US" b="1" dirty="0">
                 <a:latin typeface="Courier New" panose="02070309020205020404" pitchFamily="49" charset="0"/>
                 <a:cs typeface="Courier New" panose="02070309020205020404" pitchFamily="49" charset="0"/>
               </a:rPr>
+              <a:t>betweenness_centrality</a:t>
+            </a:r>
+            <a:r>
+              <a:rPr lang="en-US" dirty="0">
+                <a:cs typeface="Courier New" panose="02070309020205020404" pitchFamily="49" charset="0"/>
+              </a:rPr>
               <a:t> – </a:t>
             </a:r>
             <a:r>
               <a:rPr lang="en-US" dirty="0"/>
-              <a:t>how well connected to important nodes</a:t>
+              <a:t>how likely to be in communication path</a:t>
             </a:r>
             <a:endParaRPr lang="en-US" b="1" dirty="0">
               <a:latin typeface="Courier New" panose="02070309020205020404" pitchFamily="49" charset="0"/>
@@ -8234,22 +8055,21 @@
           <a:p>
             <a:pPr lvl="1"/>
             <a:r>
-              <a:rPr lang="en-US" b="1" dirty="0" err="1">
-                <a:latin typeface="Courier New" panose="02070309020205020404" pitchFamily="49" charset="0"/>
-                <a:cs typeface="Courier New" panose="02070309020205020404" pitchFamily="49" charset="0"/>
-              </a:rPr>
-              <a:t>betweenness_centrality</a:t>
-            </a:r>
-            <a:r>
               <a:rPr lang="en-US" b="1" dirty="0">
                 <a:latin typeface="Courier New" panose="02070309020205020404" pitchFamily="49" charset="0"/>
                 <a:cs typeface="Courier New" panose="02070309020205020404" pitchFamily="49" charset="0"/>
               </a:rPr>
-              <a:t> - </a:t>
+              <a:t>shortest_path</a:t>
+            </a:r>
+            <a:r>
+              <a:rPr lang="en-US" dirty="0">
+                <a:cs typeface="Courier New" panose="02070309020205020404" pitchFamily="49" charset="0"/>
+              </a:rPr>
+              <a:t> – </a:t>
             </a:r>
             <a:r>
               <a:rPr lang="en-US" dirty="0"/>
-              <a:t>how likely to be in communication path</a:t>
+              <a:t>shortest route between two nodes</a:t>
             </a:r>
             <a:endParaRPr lang="en-US" b="1" dirty="0">
               <a:latin typeface="Courier New" panose="02070309020205020404" pitchFamily="49" charset="0"/>
@@ -8259,22 +8079,47 @@
           <a:p>
             <a:pPr lvl="1"/>
             <a:r>
-              <a:rPr lang="en-US" b="1" dirty="0" err="1">
-                <a:latin typeface="Courier New" panose="02070309020205020404" pitchFamily="49" charset="0"/>
-                <a:cs typeface="Courier New" panose="02070309020205020404" pitchFamily="49" charset="0"/>
-              </a:rPr>
-              <a:t>shortest_path</a:t>
-            </a:r>
-            <a:r>
               <a:rPr lang="en-US" b="1" dirty="0">
                 <a:latin typeface="Courier New" panose="02070309020205020404" pitchFamily="49" charset="0"/>
                 <a:cs typeface="Courier New" panose="02070309020205020404" pitchFamily="49" charset="0"/>
               </a:rPr>
+              <a:t>diameter</a:t>
+            </a:r>
+            <a:r>
+              <a:rPr lang="en-US" dirty="0">
+                <a:cs typeface="Courier New" panose="02070309020205020404" pitchFamily="49" charset="0"/>
+              </a:rPr>
               <a:t> – </a:t>
             </a:r>
             <a:r>
               <a:rPr lang="en-US" dirty="0"/>
-              <a:t>shortest route between two nodes</a:t>
+              <a:t>shortest distance between two furthest nodes</a:t>
+            </a:r>
+          </a:p>
+          <a:p>
+            <a:r>
+              <a:rPr lang="en-US" dirty="0"/>
+              <a:t>Some common sociocentric functions:</a:t>
+            </a:r>
+          </a:p>
+          <a:p>
+            <a:pPr lvl="1"/>
+            <a:r>
+              <a:rPr lang="en-US" b="1" dirty="0">
+                <a:latin typeface="Courier New" panose="02070309020205020404" pitchFamily="49" charset="0"/>
+                <a:cs typeface="Courier New" panose="02070309020205020404" pitchFamily="49" charset="0"/>
+              </a:rPr>
+              <a:t>degree_assortativity_coefficient</a:t>
+            </a:r>
+            <a:r>
+              <a:rPr lang="en-US" dirty="0">
+                <a:cs typeface="Courier New" panose="02070309020205020404" pitchFamily="49" charset="0"/>
+              </a:rPr>
+              <a:t> – </a:t>
+            </a:r>
+            <a:r>
+              <a:rPr lang="en-US" dirty="0"/>
+              <a:t>useful in finding how homogeneous the data is</a:t>
             </a:r>
             <a:endParaRPr lang="en-US" b="1" dirty="0">
               <a:latin typeface="Courier New" panose="02070309020205020404" pitchFamily="49" charset="0"/>
@@ -8288,77 +8133,37 @@
                 <a:latin typeface="Courier New" panose="02070309020205020404" pitchFamily="49" charset="0"/>
                 <a:cs typeface="Courier New" panose="02070309020205020404" pitchFamily="49" charset="0"/>
               </a:rPr>
-              <a:t>diameter – </a:t>
-            </a:r>
-            <a:r>
-              <a:rPr lang="en-US" dirty="0"/>
-              <a:t>shortest distance between two furthest nodes</a:t>
-            </a:r>
-          </a:p>
-          <a:p>
-            <a:r>
-              <a:rPr lang="en-US" dirty="0"/>
-              <a:t>Some common sociocentric functions:</a:t>
-            </a:r>
-          </a:p>
-          <a:p>
-            <a:pPr lvl="1"/>
-            <a:r>
-              <a:rPr lang="en-US" b="1" dirty="0" err="1">
-                <a:latin typeface="Courier New" panose="02070309020205020404" pitchFamily="49" charset="0"/>
+              <a:t>find_cliques</a:t>
+            </a:r>
+            <a:r>
+              <a:rPr lang="en-US" dirty="0">
                 <a:cs typeface="Courier New" panose="02070309020205020404" pitchFamily="49" charset="0"/>
               </a:rPr>
-              <a:t>degree_assortativity_coefficient</a:t>
-            </a:r>
+              <a:t> – </a:t>
+            </a:r>
+            <a:r>
+              <a:rPr lang="en-US" dirty="0"/>
+              <a:t>find sections of graph where all nodes are connected to each other</a:t>
+            </a:r>
+            <a:endParaRPr lang="en-US" b="1" dirty="0">
+              <a:latin typeface="Courier New" panose="02070309020205020404" pitchFamily="49" charset="0"/>
+              <a:cs typeface="Courier New" panose="02070309020205020404" pitchFamily="49" charset="0"/>
+            </a:endParaRPr>
+          </a:p>
+          <a:p>
+            <a:pPr lvl="1"/>
             <a:r>
               <a:rPr lang="en-US" b="1" dirty="0">
                 <a:latin typeface="Courier New" panose="02070309020205020404" pitchFamily="49" charset="0"/>
                 <a:cs typeface="Courier New" panose="02070309020205020404" pitchFamily="49" charset="0"/>
               </a:rPr>
-              <a:t> – </a:t>
-            </a:r>
-            <a:r>
-              <a:rPr lang="en-US" dirty="0"/>
-              <a:t>useful in finding how homogeneous the data is</a:t>
-            </a:r>
-            <a:endParaRPr lang="en-US" b="1" dirty="0">
-              <a:latin typeface="Courier New" panose="02070309020205020404" pitchFamily="49" charset="0"/>
-              <a:cs typeface="Courier New" panose="02070309020205020404" pitchFamily="49" charset="0"/>
-            </a:endParaRPr>
-          </a:p>
-          <a:p>
-            <a:pPr lvl="1"/>
-            <a:r>
-              <a:rPr lang="en-US" b="1" dirty="0" err="1">
-                <a:latin typeface="Courier New" panose="02070309020205020404" pitchFamily="49" charset="0"/>
-                <a:cs typeface="Courier New" panose="02070309020205020404" pitchFamily="49" charset="0"/>
-              </a:rPr>
-              <a:t>find_cliques</a:t>
-            </a:r>
-            <a:r>
-              <a:rPr lang="en-US" b="1" dirty="0">
-                <a:latin typeface="Courier New" panose="02070309020205020404" pitchFamily="49" charset="0"/>
+              <a:t>density</a:t>
+            </a:r>
+            <a:r>
+              <a:rPr lang="en-US" dirty="0">
                 <a:cs typeface="Courier New" panose="02070309020205020404" pitchFamily="49" charset="0"/>
               </a:rPr>
               <a:t> – </a:t>
-            </a:r>
-            <a:r>
-              <a:rPr lang="en-US" dirty="0"/>
-              <a:t>find sections of graph where all nodes are connected to each other</a:t>
-            </a:r>
-            <a:endParaRPr lang="en-US" b="1" dirty="0">
-              <a:latin typeface="Courier New" panose="02070309020205020404" pitchFamily="49" charset="0"/>
-              <a:cs typeface="Courier New" panose="02070309020205020404" pitchFamily="49" charset="0"/>
-            </a:endParaRPr>
-          </a:p>
-          <a:p>
-            <a:pPr lvl="1"/>
-            <a:r>
-              <a:rPr lang="en-US" b="1" dirty="0">
-                <a:latin typeface="Courier New" panose="02070309020205020404" pitchFamily="49" charset="0"/>
-                <a:cs typeface="Courier New" panose="02070309020205020404" pitchFamily="49" charset="0"/>
-              </a:rPr>
-              <a:t>density – </a:t>
             </a:r>
             <a:r>
               <a:rPr lang="en-US" dirty="0"/>
@@ -8436,41 +8241,6 @@
       </p:grpSpPr>
       <p:sp>
         <p:nvSpPr>
-          <p:cNvPr id="3" name="Text Placeholder 2"/>
-          <p:cNvSpPr>
-            <a:spLocks noGrp="1"/>
-          </p:cNvSpPr>
-          <p:nvPr>
-            <p:ph type="body" sz="quarter" idx="11"/>
-          </p:nvPr>
-        </p:nvSpPr>
-        <p:spPr/>
-        <p:txBody>
-          <a:bodyPr/>
-          <a:lstStyle/>
-          <a:p>
-            <a:r>
-              <a:rPr lang="en-US" dirty="0"/>
-              <a:t>Cluster Analysis</a:t>
-            </a:r>
-          </a:p>
-          <a:p>
-            <a:r>
-              <a:rPr lang="en-US" dirty="0"/>
-              <a:t>Algorithms</a:t>
-            </a:r>
-          </a:p>
-          <a:p>
-            <a:pPr lvl="1"/>
-            <a:r>
-              <a:rPr lang="en-US" b="1" dirty="0"/>
-              <a:t>Chapter Summary</a:t>
-            </a:r>
-          </a:p>
-        </p:txBody>
-      </p:sp>
-      <p:sp>
-        <p:nvSpPr>
           <p:cNvPr id="2" name="Title 1"/>
           <p:cNvSpPr>
             <a:spLocks noGrp="1"/>
@@ -8491,361 +8261,221 @@
           </a:p>
         </p:txBody>
       </p:sp>
-      <p:grpSp>
-        <p:nvGrpSpPr>
-          <p:cNvPr id="13" name="Group 12"/>
-          <p:cNvGrpSpPr/>
-          <p:nvPr/>
-        </p:nvGrpSpPr>
-        <p:grpSpPr>
-          <a:xfrm>
-            <a:off x="2932771" y="2910975"/>
-            <a:ext cx="410322" cy="377482"/>
-            <a:chOff x="1766887" y="1515010"/>
-            <a:chExt cx="741316" cy="700622"/>
-          </a:xfrm>
-          <a:solidFill>
-            <a:schemeClr val="accent4"/>
-          </a:solidFill>
-          <a:scene3d>
-            <a:camera prst="orthographicFront">
-              <a:rot lat="0" lon="0" rev="0"/>
-            </a:camera>
-            <a:lightRig rig="balanced" dir="t">
-              <a:rot lat="0" lon="0" rev="8700000"/>
-            </a:lightRig>
-          </a:scene3d>
-        </p:grpSpPr>
-        <p:sp>
-          <p:nvSpPr>
-            <p:cNvPr id="16" name="AutoShape 10"/>
-            <p:cNvSpPr>
-              <a:spLocks noChangeArrowheads="1"/>
-            </p:cNvSpPr>
-            <p:nvPr/>
-          </p:nvSpPr>
-          <p:spPr bwMode="black">
-            <a:xfrm rot="5400000">
-              <a:off x="1787234" y="1494663"/>
-              <a:ext cx="700622" cy="741316"/>
-            </a:xfrm>
-            <a:custGeom>
-              <a:avLst/>
-              <a:gdLst>
-                <a:gd name="connsiteX0" fmla="*/ 0 w 264955"/>
-                <a:gd name="connsiteY0" fmla="*/ 311498 h 311498"/>
-                <a:gd name="connsiteX1" fmla="*/ 132478 w 264955"/>
-                <a:gd name="connsiteY1" fmla="*/ 0 h 311498"/>
-                <a:gd name="connsiteX2" fmla="*/ 264955 w 264955"/>
-                <a:gd name="connsiteY2" fmla="*/ 311498 h 311498"/>
-                <a:gd name="connsiteX3" fmla="*/ 0 w 264955"/>
-                <a:gd name="connsiteY3" fmla="*/ 311498 h 311498"/>
-                <a:gd name="connsiteX0" fmla="*/ 0 w 264955"/>
-                <a:gd name="connsiteY0" fmla="*/ 311498 h 312908"/>
-                <a:gd name="connsiteX1" fmla="*/ 132478 w 264955"/>
-                <a:gd name="connsiteY1" fmla="*/ 0 h 312908"/>
-                <a:gd name="connsiteX2" fmla="*/ 264955 w 264955"/>
-                <a:gd name="connsiteY2" fmla="*/ 311498 h 312908"/>
-                <a:gd name="connsiteX3" fmla="*/ 124553 w 264955"/>
-                <a:gd name="connsiteY3" fmla="*/ 312908 h 312908"/>
-                <a:gd name="connsiteX4" fmla="*/ 0 w 264955"/>
-                <a:gd name="connsiteY4" fmla="*/ 311498 h 312908"/>
-                <a:gd name="connsiteX0" fmla="*/ 0 w 264955"/>
-                <a:gd name="connsiteY0" fmla="*/ 311498 h 311498"/>
-                <a:gd name="connsiteX1" fmla="*/ 132478 w 264955"/>
-                <a:gd name="connsiteY1" fmla="*/ 0 h 311498"/>
-                <a:gd name="connsiteX2" fmla="*/ 264955 w 264955"/>
-                <a:gd name="connsiteY2" fmla="*/ 311498 h 311498"/>
-                <a:gd name="connsiteX3" fmla="*/ 138844 w 264955"/>
-                <a:gd name="connsiteY3" fmla="*/ 253377 h 311498"/>
-                <a:gd name="connsiteX4" fmla="*/ 0 w 264955"/>
-                <a:gd name="connsiteY4" fmla="*/ 311498 h 311498"/>
-              </a:gdLst>
-              <a:ahLst/>
-              <a:cxnLst>
-                <a:cxn ang="0">
-                  <a:pos x="connsiteX0" y="connsiteY0"/>
-                </a:cxn>
-                <a:cxn ang="0">
-                  <a:pos x="connsiteX1" y="connsiteY1"/>
-                </a:cxn>
-                <a:cxn ang="0">
-                  <a:pos x="connsiteX2" y="connsiteY2"/>
-                </a:cxn>
-                <a:cxn ang="0">
-                  <a:pos x="connsiteX3" y="connsiteY3"/>
-                </a:cxn>
-                <a:cxn ang="0">
-                  <a:pos x="connsiteX4" y="connsiteY4"/>
-                </a:cxn>
-              </a:cxnLst>
-              <a:rect l="l" t="t" r="r" b="b"/>
-              <a:pathLst>
-                <a:path w="264955" h="311498">
-                  <a:moveTo>
-                    <a:pt x="0" y="311498"/>
-                  </a:moveTo>
-                  <a:lnTo>
-                    <a:pt x="132478" y="0"/>
-                  </a:lnTo>
-                  <a:lnTo>
-                    <a:pt x="264955" y="311498"/>
-                  </a:lnTo>
-                  <a:lnTo>
-                    <a:pt x="138844" y="253377"/>
-                  </a:lnTo>
-                  <a:lnTo>
-                    <a:pt x="0" y="311498"/>
-                  </a:lnTo>
-                  <a:close/>
-                </a:path>
-              </a:pathLst>
-            </a:custGeom>
-            <a:grpFill/>
-            <a:ln w="19050">
-              <a:noFill/>
-              <a:miter lim="800000"/>
-              <a:headEnd/>
-              <a:tailEnd/>
-            </a:ln>
-            <a:effectLst>
-              <a:outerShdw blurRad="44450" dist="27940" dir="5400000" algn="ctr">
-                <a:srgbClr val="000000">
-                  <a:alpha val="32000"/>
-                </a:srgbClr>
-              </a:outerShdw>
-            </a:effectLst>
-            <a:sp3d>
-              <a:bevelT w="190500" h="38100"/>
-            </a:sp3d>
-          </p:spPr>
-          <p:txBody>
-            <a:bodyPr rot="10800000" vert="eaVert" wrap="none" anchor="ctr"/>
-            <a:lstStyle/>
-            <a:p>
-              <a:endParaRPr lang="en-GB" dirty="0">
-                <a:solidFill>
-                  <a:schemeClr val="accent6"/>
-                </a:solidFill>
-              </a:endParaRPr>
-            </a:p>
-          </p:txBody>
-        </p:sp>
-        <p:sp>
-          <p:nvSpPr>
-            <p:cNvPr id="17" name="Freeform 11"/>
-            <p:cNvSpPr>
-              <a:spLocks/>
-            </p:cNvSpPr>
-            <p:nvPr/>
-          </p:nvSpPr>
-          <p:spPr bwMode="hidden">
-            <a:xfrm>
-              <a:off x="1802606" y="1545430"/>
-              <a:ext cx="701117" cy="344477"/>
-            </a:xfrm>
-            <a:custGeom>
-              <a:avLst/>
-              <a:gdLst>
-                <a:gd name="T0" fmla="*/ 0 w 245"/>
-                <a:gd name="T1" fmla="*/ 0 h 158"/>
-                <a:gd name="T2" fmla="*/ 245 w 245"/>
-                <a:gd name="T3" fmla="*/ 146 h 158"/>
-                <a:gd name="T4" fmla="*/ 226 w 245"/>
-                <a:gd name="T5" fmla="*/ 158 h 158"/>
-                <a:gd name="T6" fmla="*/ 0 w 245"/>
-                <a:gd name="T7" fmla="*/ 23 h 158"/>
-                <a:gd name="T8" fmla="*/ 0 w 245"/>
-                <a:gd name="T9" fmla="*/ 0 h 158"/>
-                <a:gd name="T10" fmla="*/ 0 60000 65536"/>
-                <a:gd name="T11" fmla="*/ 0 60000 65536"/>
-                <a:gd name="T12" fmla="*/ 0 60000 65536"/>
-                <a:gd name="T13" fmla="*/ 0 60000 65536"/>
-                <a:gd name="T14" fmla="*/ 0 60000 65536"/>
-                <a:gd name="T15" fmla="*/ 0 w 245"/>
-                <a:gd name="T16" fmla="*/ 0 h 158"/>
-                <a:gd name="T17" fmla="*/ 245 w 245"/>
-                <a:gd name="T18" fmla="*/ 158 h 158"/>
-              </a:gdLst>
-              <a:ahLst/>
-              <a:cxnLst>
-                <a:cxn ang="T10">
-                  <a:pos x="T0" y="T1"/>
-                </a:cxn>
-                <a:cxn ang="T11">
-                  <a:pos x="T2" y="T3"/>
-                </a:cxn>
-                <a:cxn ang="T12">
-                  <a:pos x="T4" y="T5"/>
-                </a:cxn>
-                <a:cxn ang="T13">
-                  <a:pos x="T6" y="T7"/>
-                </a:cxn>
-                <a:cxn ang="T14">
-                  <a:pos x="T8" y="T9"/>
-                </a:cxn>
-              </a:cxnLst>
-              <a:rect l="T15" t="T16" r="T17" b="T18"/>
-              <a:pathLst>
-                <a:path w="245" h="158">
-                  <a:moveTo>
-                    <a:pt x="0" y="0"/>
-                  </a:moveTo>
-                  <a:lnTo>
-                    <a:pt x="245" y="146"/>
-                  </a:lnTo>
-                  <a:lnTo>
-                    <a:pt x="226" y="158"/>
-                  </a:lnTo>
-                  <a:lnTo>
-                    <a:pt x="0" y="23"/>
-                  </a:lnTo>
-                  <a:lnTo>
-                    <a:pt x="0" y="0"/>
-                  </a:lnTo>
-                  <a:close/>
-                </a:path>
-              </a:pathLst>
-            </a:custGeom>
-            <a:grpFill/>
-            <a:ln w="28575" cap="flat" cmpd="sng">
-              <a:noFill/>
-              <a:prstDash val="solid"/>
-              <a:round/>
-              <a:headEnd type="none" w="med" len="med"/>
-              <a:tailEnd type="none" w="med" len="med"/>
-            </a:ln>
-            <a:effectLst>
-              <a:outerShdw blurRad="44450" dist="27940" dir="5400000" algn="ctr">
-                <a:srgbClr val="000000">
-                  <a:alpha val="32000"/>
-                </a:srgbClr>
-              </a:outerShdw>
-            </a:effectLst>
-            <a:sp3d>
-              <a:bevelT w="190500" h="38100"/>
-            </a:sp3d>
-          </p:spPr>
-          <p:txBody>
-            <a:bodyPr/>
-            <a:lstStyle/>
-            <a:p>
-              <a:endParaRPr lang="en-US" dirty="0">
-                <a:solidFill>
-                  <a:schemeClr val="accent6"/>
-                </a:solidFill>
-              </a:endParaRPr>
-            </a:p>
-          </p:txBody>
-        </p:sp>
-        <p:sp>
-          <p:nvSpPr>
-            <p:cNvPr id="18" name="Freeform 12"/>
-            <p:cNvSpPr>
-              <a:spLocks/>
-            </p:cNvSpPr>
-            <p:nvPr/>
-          </p:nvSpPr>
-          <p:spPr bwMode="hidden">
-            <a:xfrm>
-              <a:off x="1797843" y="1840589"/>
-              <a:ext cx="710079" cy="357304"/>
-            </a:xfrm>
-            <a:custGeom>
-              <a:avLst/>
-              <a:gdLst>
-                <a:gd name="T0" fmla="*/ 248 w 248"/>
-                <a:gd name="T1" fmla="*/ 12 h 156"/>
-                <a:gd name="T2" fmla="*/ 0 w 248"/>
-                <a:gd name="T3" fmla="*/ 156 h 156"/>
-                <a:gd name="T4" fmla="*/ 3 w 248"/>
-                <a:gd name="T5" fmla="*/ 131 h 156"/>
-                <a:gd name="T6" fmla="*/ 229 w 248"/>
-                <a:gd name="T7" fmla="*/ 0 h 156"/>
-                <a:gd name="T8" fmla="*/ 248 w 248"/>
-                <a:gd name="T9" fmla="*/ 12 h 156"/>
-                <a:gd name="T10" fmla="*/ 0 60000 65536"/>
-                <a:gd name="T11" fmla="*/ 0 60000 65536"/>
-                <a:gd name="T12" fmla="*/ 0 60000 65536"/>
-                <a:gd name="T13" fmla="*/ 0 60000 65536"/>
-                <a:gd name="T14" fmla="*/ 0 60000 65536"/>
-                <a:gd name="T15" fmla="*/ 0 w 248"/>
-                <a:gd name="T16" fmla="*/ 0 h 156"/>
-                <a:gd name="T17" fmla="*/ 248 w 248"/>
-                <a:gd name="T18" fmla="*/ 156 h 156"/>
-              </a:gdLst>
-              <a:ahLst/>
-              <a:cxnLst>
-                <a:cxn ang="T10">
-                  <a:pos x="T0" y="T1"/>
-                </a:cxn>
-                <a:cxn ang="T11">
-                  <a:pos x="T2" y="T3"/>
-                </a:cxn>
-                <a:cxn ang="T12">
-                  <a:pos x="T4" y="T5"/>
-                </a:cxn>
-                <a:cxn ang="T13">
-                  <a:pos x="T6" y="T7"/>
-                </a:cxn>
-                <a:cxn ang="T14">
-                  <a:pos x="T8" y="T9"/>
-                </a:cxn>
-              </a:cxnLst>
-              <a:rect l="T15" t="T16" r="T17" b="T18"/>
-              <a:pathLst>
-                <a:path w="248" h="156">
-                  <a:moveTo>
-                    <a:pt x="248" y="12"/>
-                  </a:moveTo>
-                  <a:lnTo>
-                    <a:pt x="0" y="156"/>
-                  </a:lnTo>
-                  <a:lnTo>
-                    <a:pt x="3" y="131"/>
-                  </a:lnTo>
-                  <a:lnTo>
-                    <a:pt x="229" y="0"/>
-                  </a:lnTo>
-                  <a:lnTo>
-                    <a:pt x="248" y="12"/>
-                  </a:lnTo>
-                  <a:close/>
-                </a:path>
-              </a:pathLst>
-            </a:custGeom>
-            <a:grpFill/>
-            <a:ln w="28575" cap="flat" cmpd="sng">
-              <a:noFill/>
-              <a:prstDash val="solid"/>
-              <a:round/>
-              <a:headEnd type="none" w="med" len="med"/>
-              <a:tailEnd type="none" w="med" len="med"/>
-            </a:ln>
-            <a:effectLst>
-              <a:outerShdw blurRad="44450" dist="27940" dir="5400000" algn="ctr">
-                <a:srgbClr val="000000">
-                  <a:alpha val="32000"/>
-                </a:srgbClr>
-              </a:outerShdw>
-            </a:effectLst>
-            <a:sp3d>
-              <a:bevelT w="190500" h="38100"/>
-            </a:sp3d>
-          </p:spPr>
-          <p:txBody>
-            <a:bodyPr/>
-            <a:lstStyle/>
-            <a:p>
-              <a:endParaRPr lang="en-US" dirty="0">
-                <a:solidFill>
-                  <a:schemeClr val="accent6"/>
-                </a:solidFill>
-              </a:endParaRPr>
-            </a:p>
-          </p:txBody>
-        </p:sp>
-      </p:grpSp>
+      <p:graphicFrame>
+        <p:nvGraphicFramePr>
+          <p:cNvPr id="9" name="Table 8">
+            <a:extLst>
+              <a:ext uri="{FF2B5EF4-FFF2-40B4-BE49-F238E27FC236}">
+                <a16:creationId xmlns:a16="http://schemas.microsoft.com/office/drawing/2014/main" id="{A2441358-EF78-440F-99D6-7EA836FE39BF}"/>
+              </a:ext>
+            </a:extLst>
+          </p:cNvPr>
+          <p:cNvGraphicFramePr>
+            <a:graphicFrameLocks noGrp="1"/>
+          </p:cNvGraphicFramePr>
+          <p:nvPr>
+            <p:extLst>
+              <p:ext uri="{D42A27DB-BD31-4B8C-83A1-F6EECF244321}">
+                <p14:modId xmlns:p14="http://schemas.microsoft.com/office/powerpoint/2010/main" val="4215099888"/>
+              </p:ext>
+            </p:extLst>
+          </p:nvPr>
+        </p:nvGraphicFramePr>
+        <p:xfrm>
+          <a:off x="2880360" y="1447543"/>
+          <a:ext cx="3383280" cy="1645920"/>
+        </p:xfrm>
+        <a:graphic>
+          <a:graphicData uri="http://schemas.openxmlformats.org/drawingml/2006/table">
+            <a:tbl>
+              <a:tblPr>
+                <a:tableStyleId>{00A15C55-8517-42AA-B614-E9B94910E393}</a:tableStyleId>
+              </a:tblPr>
+              <a:tblGrid>
+                <a:gridCol w="3383280">
+                  <a:extLst>
+                    <a:ext uri="{9D8B030D-6E8A-4147-A177-3AD203B41FA5}">
+                      <a16:colId xmlns:a16="http://schemas.microsoft.com/office/drawing/2014/main" val="1695728431"/>
+                    </a:ext>
+                  </a:extLst>
+                </a:gridCol>
+              </a:tblGrid>
+              <a:tr h="548640">
+                <a:tc>
+                  <a:txBody>
+                    <a:bodyPr/>
+                    <a:lstStyle/>
+                    <a:p>
+                      <a:pPr>
+                        <a:lnSpc>
+                          <a:spcPct val="100000"/>
+                        </a:lnSpc>
+                        <a:spcAft>
+                          <a:spcPts val="0"/>
+                        </a:spcAft>
+                      </a:pPr>
+                      <a:r>
+                        <a:rPr lang="en-US" sz="2000" dirty="0">
+                          <a:solidFill>
+                            <a:schemeClr val="bg1">
+                              <a:lumMod val="65000"/>
+                            </a:schemeClr>
+                          </a:solidFill>
+                        </a:rPr>
+                        <a:t>Graph Databases</a:t>
+                      </a:r>
+                    </a:p>
+                  </a:txBody>
+                  <a:tcPr anchor="ctr">
+                    <a:lnT w="12700" cap="flat" cmpd="sng" algn="ctr">
+                      <a:solidFill>
+                        <a:schemeClr val="bg1">
+                          <a:lumMod val="65000"/>
+                        </a:schemeClr>
+                      </a:solidFill>
+                      <a:prstDash val="solid"/>
+                      <a:round/>
+                      <a:headEnd type="none" w="med" len="med"/>
+                      <a:tailEnd type="none" w="med" len="med"/>
+                    </a:lnT>
+                    <a:lnB w="12700" cap="flat" cmpd="sng" algn="ctr">
+                      <a:solidFill>
+                        <a:schemeClr val="bg1">
+                          <a:lumMod val="65000"/>
+                        </a:schemeClr>
+                      </a:solidFill>
+                      <a:prstDash val="solid"/>
+                      <a:round/>
+                      <a:headEnd type="none" w="med" len="med"/>
+                      <a:tailEnd type="none" w="med" len="med"/>
+                    </a:lnB>
+                    <a:noFill/>
+                  </a:tcPr>
+                </a:tc>
+                <a:extLst>
+                  <a:ext uri="{0D108BD9-81ED-4DB2-BD59-A6C34878D82A}">
+                    <a16:rowId xmlns:a16="http://schemas.microsoft.com/office/drawing/2014/main" val="1924402624"/>
+                  </a:ext>
+                </a:extLst>
+              </a:tr>
+              <a:tr h="548640">
+                <a:tc>
+                  <a:txBody>
+                    <a:bodyPr/>
+                    <a:lstStyle/>
+                    <a:p>
+                      <a:pPr>
+                        <a:lnSpc>
+                          <a:spcPct val="100000"/>
+                        </a:lnSpc>
+                        <a:spcAft>
+                          <a:spcPts val="0"/>
+                        </a:spcAft>
+                      </a:pPr>
+                      <a:r>
+                        <a:rPr lang="en-US" sz="2000" dirty="0">
+                          <a:solidFill>
+                            <a:schemeClr val="bg1">
+                              <a:lumMod val="65000"/>
+                            </a:schemeClr>
+                          </a:solidFill>
+                        </a:rPr>
+                        <a:t>NetworkX</a:t>
+                      </a:r>
+                    </a:p>
+                  </a:txBody>
+                  <a:tcPr anchor="ctr">
+                    <a:lnT w="12700" cap="flat" cmpd="sng" algn="ctr">
+                      <a:solidFill>
+                        <a:schemeClr val="bg1">
+                          <a:lumMod val="65000"/>
+                        </a:schemeClr>
+                      </a:solidFill>
+                      <a:prstDash val="solid"/>
+                      <a:round/>
+                      <a:headEnd type="none" w="med" len="med"/>
+                      <a:tailEnd type="none" w="med" len="med"/>
+                    </a:lnT>
+                    <a:lnB w="12700" cap="flat" cmpd="sng" algn="ctr">
+                      <a:solidFill>
+                        <a:schemeClr val="bg1">
+                          <a:lumMod val="65000"/>
+                        </a:schemeClr>
+                      </a:solidFill>
+                      <a:prstDash val="solid"/>
+                      <a:round/>
+                      <a:headEnd type="none" w="med" len="med"/>
+                      <a:tailEnd type="none" w="med" len="med"/>
+                    </a:lnB>
+                    <a:noFill/>
+                  </a:tcPr>
+                </a:tc>
+                <a:extLst>
+                  <a:ext uri="{0D108BD9-81ED-4DB2-BD59-A6C34878D82A}">
+                    <a16:rowId xmlns:a16="http://schemas.microsoft.com/office/drawing/2014/main" val="2634114360"/>
+                  </a:ext>
+                </a:extLst>
+              </a:tr>
+              <a:tr h="548640">
+                <a:tc>
+                  <a:txBody>
+                    <a:bodyPr/>
+                    <a:lstStyle/>
+                    <a:p>
+                      <a:pPr>
+                        <a:lnSpc>
+                          <a:spcPct val="100000"/>
+                        </a:lnSpc>
+                        <a:spcAft>
+                          <a:spcPts val="0"/>
+                        </a:spcAft>
+                      </a:pPr>
+                      <a:r>
+                        <a:rPr lang="en-US" sz="2000" b="1" dirty="0">
+                          <a:solidFill>
+                            <a:schemeClr val="tx1"/>
+                          </a:solidFill>
+                        </a:rPr>
+                        <a:t>Chapter Summary</a:t>
+                      </a:r>
+                    </a:p>
+                  </a:txBody>
+                  <a:tcPr anchor="ctr">
+                    <a:lnT w="12700" cap="flat" cmpd="sng" algn="ctr">
+                      <a:solidFill>
+                        <a:schemeClr val="bg1">
+                          <a:lumMod val="65000"/>
+                        </a:schemeClr>
+                      </a:solidFill>
+                      <a:prstDash val="solid"/>
+                      <a:round/>
+                      <a:headEnd type="none" w="med" len="med"/>
+                      <a:tailEnd type="none" w="med" len="med"/>
+                    </a:lnT>
+                    <a:lnB w="12700" cap="flat" cmpd="sng" algn="ctr">
+                      <a:solidFill>
+                        <a:schemeClr val="bg1">
+                          <a:lumMod val="65000"/>
+                        </a:schemeClr>
+                      </a:solidFill>
+                      <a:prstDash val="solid"/>
+                      <a:round/>
+                      <a:headEnd type="none" w="med" len="med"/>
+                      <a:tailEnd type="none" w="med" len="med"/>
+                    </a:lnB>
+                    <a:noFill/>
+                  </a:tcPr>
+                </a:tc>
+                <a:extLst>
+                  <a:ext uri="{0D108BD9-81ED-4DB2-BD59-A6C34878D82A}">
+                    <a16:rowId xmlns:a16="http://schemas.microsoft.com/office/drawing/2014/main" val="376303497"/>
+                  </a:ext>
+                </a:extLst>
+              </a:tr>
+            </a:tbl>
+          </a:graphicData>
+        </a:graphic>
+      </p:graphicFrame>
     </p:spTree>
     <p:extLst>
       <p:ext uri="{BB962C8B-B14F-4D97-AF65-F5344CB8AC3E}">
@@ -8905,7 +8535,7 @@
           <a:p>
             <a:r>
               <a:rPr lang="en-US" dirty="0"/>
-              <a:t>Learn about use cases and solutions that graph databases can solve and see how companies like Facebook, LinkedIn and more have applied these techniques</a:t>
+              <a:t>Learn about use cases and solutions that graph databases can solve and see how companies like Facebook, LinkedIn, and more have applied these techniques</a:t>
             </a:r>
           </a:p>
           <a:p>
@@ -8924,20 +8554,15 @@
           <a:p>
             <a:pPr lvl="1"/>
             <a:r>
-              <a:rPr lang="en-US" dirty="0" err="1"/>
+              <a:rPr lang="en-US" dirty="0"/>
               <a:t>NetworkX</a:t>
             </a:r>
-            <a:endParaRPr lang="en-US" dirty="0"/>
           </a:p>
           <a:p>
             <a:pPr lvl="1"/>
             <a:r>
-              <a:rPr lang="en-US" dirty="0" err="1"/>
-              <a:t>GraphX</a:t>
-            </a:r>
-            <a:r>
               <a:rPr lang="en-US" dirty="0"/>
-              <a:t> for Spark</a:t>
+              <a:t>GraphX for Spark</a:t>
             </a:r>
           </a:p>
           <a:p>
@@ -9023,27 +8648,19 @@
             </a:pPr>
             <a:r>
               <a:rPr lang="en-US" dirty="0"/>
-              <a:t>In this chapter, we will:</a:t>
+              <a:t>In this chapter, we have:</a:t>
             </a:r>
           </a:p>
           <a:p>
             <a:r>
               <a:rPr lang="en-US" dirty="0"/>
-              <a:t>Introduce the concept of Graph databases</a:t>
+              <a:t>Introduced the concept of graph databases</a:t>
             </a:r>
           </a:p>
           <a:p>
             <a:r>
               <a:rPr lang="en-US" dirty="0"/>
-              <a:t>Explore Python's </a:t>
-            </a:r>
-            <a:r>
-              <a:rPr lang="en-US" dirty="0" err="1"/>
-              <a:t>networkx</a:t>
-            </a:r>
-            <a:r>
-              <a:rPr lang="en-US" dirty="0"/>
-              <a:t> package</a:t>
+              <a:t>Explored Python’s NetworkX package</a:t>
             </a:r>
           </a:p>
           <a:p>
@@ -9077,7 +8694,7 @@
           <a:p>
             <a:r>
               <a:rPr lang="en-US" dirty="0"/>
-              <a:t>Chapter Objectives</a:t>
+              <a:t>Chapter Summary</a:t>
             </a:r>
           </a:p>
         </p:txBody>
@@ -9138,21 +8755,13 @@
           <a:p>
             <a:r>
               <a:rPr lang="en-US" dirty="0"/>
-              <a:t>Introduce the concept of Graph databases</a:t>
+              <a:t>Introduce the concept of graph databases</a:t>
             </a:r>
           </a:p>
           <a:p>
             <a:r>
               <a:rPr lang="en-US" dirty="0"/>
-              <a:t>Explore Python's </a:t>
-            </a:r>
-            <a:r>
-              <a:rPr lang="en-US" dirty="0" err="1"/>
-              <a:t>networkx</a:t>
-            </a:r>
-            <a:r>
-              <a:rPr lang="en-US" dirty="0"/>
-              <a:t> package</a:t>
+              <a:t>Explore Python’s NetworkX package</a:t>
             </a:r>
           </a:p>
           <a:p>
@@ -9223,42 +8832,6 @@
       </p:grpSpPr>
       <p:sp>
         <p:nvSpPr>
-          <p:cNvPr id="3" name="Text Placeholder 2"/>
-          <p:cNvSpPr>
-            <a:spLocks noGrp="1"/>
-          </p:cNvSpPr>
-          <p:nvPr>
-            <p:ph type="body" sz="quarter" idx="11"/>
-          </p:nvPr>
-        </p:nvSpPr>
-        <p:spPr/>
-        <p:txBody>
-          <a:bodyPr/>
-          <a:lstStyle/>
-          <a:p>
-            <a:r>
-              <a:rPr lang="en-US" b="1" dirty="0"/>
-              <a:t>Graph Databases</a:t>
-            </a:r>
-          </a:p>
-          <a:p>
-            <a:r>
-              <a:rPr lang="en-US" dirty="0" err="1"/>
-              <a:t>NetworkX</a:t>
-            </a:r>
-            <a:endParaRPr lang="en-US" dirty="0"/>
-          </a:p>
-          <a:p>
-            <a:pPr lvl="1"/>
-            <a:r>
-              <a:rPr lang="en-US" dirty="0"/>
-              <a:t>Chapter Summary</a:t>
-            </a:r>
-          </a:p>
-        </p:txBody>
-      </p:sp>
-      <p:sp>
-        <p:nvSpPr>
           <p:cNvPr id="2" name="Title 1"/>
           <p:cNvSpPr>
             <a:spLocks noGrp="1"/>
@@ -9279,361 +8852,221 @@
           </a:p>
         </p:txBody>
       </p:sp>
-      <p:grpSp>
-        <p:nvGrpSpPr>
-          <p:cNvPr id="13" name="Group 12"/>
-          <p:cNvGrpSpPr/>
-          <p:nvPr/>
-        </p:nvGrpSpPr>
-        <p:grpSpPr>
-          <a:xfrm>
-            <a:off x="2905798" y="1705147"/>
-            <a:ext cx="410322" cy="377482"/>
-            <a:chOff x="1766887" y="1515010"/>
-            <a:chExt cx="741316" cy="700622"/>
-          </a:xfrm>
-          <a:solidFill>
-            <a:schemeClr val="accent4"/>
-          </a:solidFill>
-          <a:scene3d>
-            <a:camera prst="orthographicFront">
-              <a:rot lat="0" lon="0" rev="0"/>
-            </a:camera>
-            <a:lightRig rig="balanced" dir="t">
-              <a:rot lat="0" lon="0" rev="8700000"/>
-            </a:lightRig>
-          </a:scene3d>
-        </p:grpSpPr>
-        <p:sp>
-          <p:nvSpPr>
-            <p:cNvPr id="16" name="AutoShape 10"/>
-            <p:cNvSpPr>
-              <a:spLocks noChangeArrowheads="1"/>
-            </p:cNvSpPr>
-            <p:nvPr/>
-          </p:nvSpPr>
-          <p:spPr bwMode="black">
-            <a:xfrm rot="5400000">
-              <a:off x="1787234" y="1494663"/>
-              <a:ext cx="700622" cy="741316"/>
-            </a:xfrm>
-            <a:custGeom>
-              <a:avLst/>
-              <a:gdLst>
-                <a:gd name="connsiteX0" fmla="*/ 0 w 264955"/>
-                <a:gd name="connsiteY0" fmla="*/ 311498 h 311498"/>
-                <a:gd name="connsiteX1" fmla="*/ 132478 w 264955"/>
-                <a:gd name="connsiteY1" fmla="*/ 0 h 311498"/>
-                <a:gd name="connsiteX2" fmla="*/ 264955 w 264955"/>
-                <a:gd name="connsiteY2" fmla="*/ 311498 h 311498"/>
-                <a:gd name="connsiteX3" fmla="*/ 0 w 264955"/>
-                <a:gd name="connsiteY3" fmla="*/ 311498 h 311498"/>
-                <a:gd name="connsiteX0" fmla="*/ 0 w 264955"/>
-                <a:gd name="connsiteY0" fmla="*/ 311498 h 312908"/>
-                <a:gd name="connsiteX1" fmla="*/ 132478 w 264955"/>
-                <a:gd name="connsiteY1" fmla="*/ 0 h 312908"/>
-                <a:gd name="connsiteX2" fmla="*/ 264955 w 264955"/>
-                <a:gd name="connsiteY2" fmla="*/ 311498 h 312908"/>
-                <a:gd name="connsiteX3" fmla="*/ 124553 w 264955"/>
-                <a:gd name="connsiteY3" fmla="*/ 312908 h 312908"/>
-                <a:gd name="connsiteX4" fmla="*/ 0 w 264955"/>
-                <a:gd name="connsiteY4" fmla="*/ 311498 h 312908"/>
-                <a:gd name="connsiteX0" fmla="*/ 0 w 264955"/>
-                <a:gd name="connsiteY0" fmla="*/ 311498 h 311498"/>
-                <a:gd name="connsiteX1" fmla="*/ 132478 w 264955"/>
-                <a:gd name="connsiteY1" fmla="*/ 0 h 311498"/>
-                <a:gd name="connsiteX2" fmla="*/ 264955 w 264955"/>
-                <a:gd name="connsiteY2" fmla="*/ 311498 h 311498"/>
-                <a:gd name="connsiteX3" fmla="*/ 138844 w 264955"/>
-                <a:gd name="connsiteY3" fmla="*/ 253377 h 311498"/>
-                <a:gd name="connsiteX4" fmla="*/ 0 w 264955"/>
-                <a:gd name="connsiteY4" fmla="*/ 311498 h 311498"/>
-              </a:gdLst>
-              <a:ahLst/>
-              <a:cxnLst>
-                <a:cxn ang="0">
-                  <a:pos x="connsiteX0" y="connsiteY0"/>
-                </a:cxn>
-                <a:cxn ang="0">
-                  <a:pos x="connsiteX1" y="connsiteY1"/>
-                </a:cxn>
-                <a:cxn ang="0">
-                  <a:pos x="connsiteX2" y="connsiteY2"/>
-                </a:cxn>
-                <a:cxn ang="0">
-                  <a:pos x="connsiteX3" y="connsiteY3"/>
-                </a:cxn>
-                <a:cxn ang="0">
-                  <a:pos x="connsiteX4" y="connsiteY4"/>
-                </a:cxn>
-              </a:cxnLst>
-              <a:rect l="l" t="t" r="r" b="b"/>
-              <a:pathLst>
-                <a:path w="264955" h="311498">
-                  <a:moveTo>
-                    <a:pt x="0" y="311498"/>
-                  </a:moveTo>
-                  <a:lnTo>
-                    <a:pt x="132478" y="0"/>
-                  </a:lnTo>
-                  <a:lnTo>
-                    <a:pt x="264955" y="311498"/>
-                  </a:lnTo>
-                  <a:lnTo>
-                    <a:pt x="138844" y="253377"/>
-                  </a:lnTo>
-                  <a:lnTo>
-                    <a:pt x="0" y="311498"/>
-                  </a:lnTo>
-                  <a:close/>
-                </a:path>
-              </a:pathLst>
-            </a:custGeom>
-            <a:grpFill/>
-            <a:ln w="19050">
-              <a:noFill/>
-              <a:miter lim="800000"/>
-              <a:headEnd/>
-              <a:tailEnd/>
-            </a:ln>
-            <a:effectLst>
-              <a:outerShdw blurRad="44450" dist="27940" dir="5400000" algn="ctr">
-                <a:srgbClr val="000000">
-                  <a:alpha val="32000"/>
-                </a:srgbClr>
-              </a:outerShdw>
-            </a:effectLst>
-            <a:sp3d>
-              <a:bevelT w="190500" h="38100"/>
-            </a:sp3d>
-          </p:spPr>
-          <p:txBody>
-            <a:bodyPr rot="10800000" vert="eaVert" wrap="none" anchor="ctr"/>
-            <a:lstStyle/>
-            <a:p>
-              <a:endParaRPr lang="en-GB" dirty="0">
-                <a:solidFill>
-                  <a:schemeClr val="accent6"/>
-                </a:solidFill>
-              </a:endParaRPr>
-            </a:p>
-          </p:txBody>
-        </p:sp>
-        <p:sp>
-          <p:nvSpPr>
-            <p:cNvPr id="17" name="Freeform 11"/>
-            <p:cNvSpPr>
-              <a:spLocks/>
-            </p:cNvSpPr>
-            <p:nvPr/>
-          </p:nvSpPr>
-          <p:spPr bwMode="hidden">
-            <a:xfrm>
-              <a:off x="1802606" y="1545430"/>
-              <a:ext cx="701117" cy="344477"/>
-            </a:xfrm>
-            <a:custGeom>
-              <a:avLst/>
-              <a:gdLst>
-                <a:gd name="T0" fmla="*/ 0 w 245"/>
-                <a:gd name="T1" fmla="*/ 0 h 158"/>
-                <a:gd name="T2" fmla="*/ 245 w 245"/>
-                <a:gd name="T3" fmla="*/ 146 h 158"/>
-                <a:gd name="T4" fmla="*/ 226 w 245"/>
-                <a:gd name="T5" fmla="*/ 158 h 158"/>
-                <a:gd name="T6" fmla="*/ 0 w 245"/>
-                <a:gd name="T7" fmla="*/ 23 h 158"/>
-                <a:gd name="T8" fmla="*/ 0 w 245"/>
-                <a:gd name="T9" fmla="*/ 0 h 158"/>
-                <a:gd name="T10" fmla="*/ 0 60000 65536"/>
-                <a:gd name="T11" fmla="*/ 0 60000 65536"/>
-                <a:gd name="T12" fmla="*/ 0 60000 65536"/>
-                <a:gd name="T13" fmla="*/ 0 60000 65536"/>
-                <a:gd name="T14" fmla="*/ 0 60000 65536"/>
-                <a:gd name="T15" fmla="*/ 0 w 245"/>
-                <a:gd name="T16" fmla="*/ 0 h 158"/>
-                <a:gd name="T17" fmla="*/ 245 w 245"/>
-                <a:gd name="T18" fmla="*/ 158 h 158"/>
-              </a:gdLst>
-              <a:ahLst/>
-              <a:cxnLst>
-                <a:cxn ang="T10">
-                  <a:pos x="T0" y="T1"/>
-                </a:cxn>
-                <a:cxn ang="T11">
-                  <a:pos x="T2" y="T3"/>
-                </a:cxn>
-                <a:cxn ang="T12">
-                  <a:pos x="T4" y="T5"/>
-                </a:cxn>
-                <a:cxn ang="T13">
-                  <a:pos x="T6" y="T7"/>
-                </a:cxn>
-                <a:cxn ang="T14">
-                  <a:pos x="T8" y="T9"/>
-                </a:cxn>
-              </a:cxnLst>
-              <a:rect l="T15" t="T16" r="T17" b="T18"/>
-              <a:pathLst>
-                <a:path w="245" h="158">
-                  <a:moveTo>
-                    <a:pt x="0" y="0"/>
-                  </a:moveTo>
-                  <a:lnTo>
-                    <a:pt x="245" y="146"/>
-                  </a:lnTo>
-                  <a:lnTo>
-                    <a:pt x="226" y="158"/>
-                  </a:lnTo>
-                  <a:lnTo>
-                    <a:pt x="0" y="23"/>
-                  </a:lnTo>
-                  <a:lnTo>
-                    <a:pt x="0" y="0"/>
-                  </a:lnTo>
-                  <a:close/>
-                </a:path>
-              </a:pathLst>
-            </a:custGeom>
-            <a:grpFill/>
-            <a:ln w="28575" cap="flat" cmpd="sng">
-              <a:noFill/>
-              <a:prstDash val="solid"/>
-              <a:round/>
-              <a:headEnd type="none" w="med" len="med"/>
-              <a:tailEnd type="none" w="med" len="med"/>
-            </a:ln>
-            <a:effectLst>
-              <a:outerShdw blurRad="44450" dist="27940" dir="5400000" algn="ctr">
-                <a:srgbClr val="000000">
-                  <a:alpha val="32000"/>
-                </a:srgbClr>
-              </a:outerShdw>
-            </a:effectLst>
-            <a:sp3d>
-              <a:bevelT w="190500" h="38100"/>
-            </a:sp3d>
-          </p:spPr>
-          <p:txBody>
-            <a:bodyPr/>
-            <a:lstStyle/>
-            <a:p>
-              <a:endParaRPr lang="en-US" dirty="0">
-                <a:solidFill>
-                  <a:schemeClr val="accent6"/>
-                </a:solidFill>
-              </a:endParaRPr>
-            </a:p>
-          </p:txBody>
-        </p:sp>
-        <p:sp>
-          <p:nvSpPr>
-            <p:cNvPr id="18" name="Freeform 12"/>
-            <p:cNvSpPr>
-              <a:spLocks/>
-            </p:cNvSpPr>
-            <p:nvPr/>
-          </p:nvSpPr>
-          <p:spPr bwMode="hidden">
-            <a:xfrm>
-              <a:off x="1797843" y="1840589"/>
-              <a:ext cx="710079" cy="357304"/>
-            </a:xfrm>
-            <a:custGeom>
-              <a:avLst/>
-              <a:gdLst>
-                <a:gd name="T0" fmla="*/ 248 w 248"/>
-                <a:gd name="T1" fmla="*/ 12 h 156"/>
-                <a:gd name="T2" fmla="*/ 0 w 248"/>
-                <a:gd name="T3" fmla="*/ 156 h 156"/>
-                <a:gd name="T4" fmla="*/ 3 w 248"/>
-                <a:gd name="T5" fmla="*/ 131 h 156"/>
-                <a:gd name="T6" fmla="*/ 229 w 248"/>
-                <a:gd name="T7" fmla="*/ 0 h 156"/>
-                <a:gd name="T8" fmla="*/ 248 w 248"/>
-                <a:gd name="T9" fmla="*/ 12 h 156"/>
-                <a:gd name="T10" fmla="*/ 0 60000 65536"/>
-                <a:gd name="T11" fmla="*/ 0 60000 65536"/>
-                <a:gd name="T12" fmla="*/ 0 60000 65536"/>
-                <a:gd name="T13" fmla="*/ 0 60000 65536"/>
-                <a:gd name="T14" fmla="*/ 0 60000 65536"/>
-                <a:gd name="T15" fmla="*/ 0 w 248"/>
-                <a:gd name="T16" fmla="*/ 0 h 156"/>
-                <a:gd name="T17" fmla="*/ 248 w 248"/>
-                <a:gd name="T18" fmla="*/ 156 h 156"/>
-              </a:gdLst>
-              <a:ahLst/>
-              <a:cxnLst>
-                <a:cxn ang="T10">
-                  <a:pos x="T0" y="T1"/>
-                </a:cxn>
-                <a:cxn ang="T11">
-                  <a:pos x="T2" y="T3"/>
-                </a:cxn>
-                <a:cxn ang="T12">
-                  <a:pos x="T4" y="T5"/>
-                </a:cxn>
-                <a:cxn ang="T13">
-                  <a:pos x="T6" y="T7"/>
-                </a:cxn>
-                <a:cxn ang="T14">
-                  <a:pos x="T8" y="T9"/>
-                </a:cxn>
-              </a:cxnLst>
-              <a:rect l="T15" t="T16" r="T17" b="T18"/>
-              <a:pathLst>
-                <a:path w="248" h="156">
-                  <a:moveTo>
-                    <a:pt x="248" y="12"/>
-                  </a:moveTo>
-                  <a:lnTo>
-                    <a:pt x="0" y="156"/>
-                  </a:lnTo>
-                  <a:lnTo>
-                    <a:pt x="3" y="131"/>
-                  </a:lnTo>
-                  <a:lnTo>
-                    <a:pt x="229" y="0"/>
-                  </a:lnTo>
-                  <a:lnTo>
-                    <a:pt x="248" y="12"/>
-                  </a:lnTo>
-                  <a:close/>
-                </a:path>
-              </a:pathLst>
-            </a:custGeom>
-            <a:grpFill/>
-            <a:ln w="28575" cap="flat" cmpd="sng">
-              <a:noFill/>
-              <a:prstDash val="solid"/>
-              <a:round/>
-              <a:headEnd type="none" w="med" len="med"/>
-              <a:tailEnd type="none" w="med" len="med"/>
-            </a:ln>
-            <a:effectLst>
-              <a:outerShdw blurRad="44450" dist="27940" dir="5400000" algn="ctr">
-                <a:srgbClr val="000000">
-                  <a:alpha val="32000"/>
-                </a:srgbClr>
-              </a:outerShdw>
-            </a:effectLst>
-            <a:sp3d>
-              <a:bevelT w="190500" h="38100"/>
-            </a:sp3d>
-          </p:spPr>
-          <p:txBody>
-            <a:bodyPr/>
-            <a:lstStyle/>
-            <a:p>
-              <a:endParaRPr lang="en-US" dirty="0">
-                <a:solidFill>
-                  <a:schemeClr val="accent6"/>
-                </a:solidFill>
-              </a:endParaRPr>
-            </a:p>
-          </p:txBody>
-        </p:sp>
-      </p:grpSp>
+      <p:graphicFrame>
+        <p:nvGraphicFramePr>
+          <p:cNvPr id="8" name="Table 7">
+            <a:extLst>
+              <a:ext uri="{FF2B5EF4-FFF2-40B4-BE49-F238E27FC236}">
+                <a16:creationId xmlns:a16="http://schemas.microsoft.com/office/drawing/2014/main" id="{607B1F08-6081-4326-9A56-2BCAF5863609}"/>
+              </a:ext>
+            </a:extLst>
+          </p:cNvPr>
+          <p:cNvGraphicFramePr>
+            <a:graphicFrameLocks noGrp="1"/>
+          </p:cNvGraphicFramePr>
+          <p:nvPr>
+            <p:extLst>
+              <p:ext uri="{D42A27DB-BD31-4B8C-83A1-F6EECF244321}">
+                <p14:modId xmlns:p14="http://schemas.microsoft.com/office/powerpoint/2010/main" val="165498006"/>
+              </p:ext>
+            </p:extLst>
+          </p:nvPr>
+        </p:nvGraphicFramePr>
+        <p:xfrm>
+          <a:off x="2880360" y="1447543"/>
+          <a:ext cx="3383280" cy="1645920"/>
+        </p:xfrm>
+        <a:graphic>
+          <a:graphicData uri="http://schemas.openxmlformats.org/drawingml/2006/table">
+            <a:tbl>
+              <a:tblPr>
+                <a:tableStyleId>{00A15C55-8517-42AA-B614-E9B94910E393}</a:tableStyleId>
+              </a:tblPr>
+              <a:tblGrid>
+                <a:gridCol w="3383280">
+                  <a:extLst>
+                    <a:ext uri="{9D8B030D-6E8A-4147-A177-3AD203B41FA5}">
+                      <a16:colId xmlns:a16="http://schemas.microsoft.com/office/drawing/2014/main" val="1695728431"/>
+                    </a:ext>
+                  </a:extLst>
+                </a:gridCol>
+              </a:tblGrid>
+              <a:tr h="548640">
+                <a:tc>
+                  <a:txBody>
+                    <a:bodyPr/>
+                    <a:lstStyle/>
+                    <a:p>
+                      <a:pPr>
+                        <a:lnSpc>
+                          <a:spcPct val="100000"/>
+                        </a:lnSpc>
+                        <a:spcAft>
+                          <a:spcPts val="0"/>
+                        </a:spcAft>
+                      </a:pPr>
+                      <a:r>
+                        <a:rPr lang="en-US" sz="2000" b="1" dirty="0">
+                          <a:solidFill>
+                            <a:schemeClr val="tx1"/>
+                          </a:solidFill>
+                        </a:rPr>
+                        <a:t>Graph Databases</a:t>
+                      </a:r>
+                    </a:p>
+                  </a:txBody>
+                  <a:tcPr anchor="ctr">
+                    <a:lnT w="12700" cap="flat" cmpd="sng" algn="ctr">
+                      <a:solidFill>
+                        <a:schemeClr val="bg1">
+                          <a:lumMod val="65000"/>
+                        </a:schemeClr>
+                      </a:solidFill>
+                      <a:prstDash val="solid"/>
+                      <a:round/>
+                      <a:headEnd type="none" w="med" len="med"/>
+                      <a:tailEnd type="none" w="med" len="med"/>
+                    </a:lnT>
+                    <a:lnB w="12700" cap="flat" cmpd="sng" algn="ctr">
+                      <a:solidFill>
+                        <a:schemeClr val="bg1">
+                          <a:lumMod val="65000"/>
+                        </a:schemeClr>
+                      </a:solidFill>
+                      <a:prstDash val="solid"/>
+                      <a:round/>
+                      <a:headEnd type="none" w="med" len="med"/>
+                      <a:tailEnd type="none" w="med" len="med"/>
+                    </a:lnB>
+                    <a:noFill/>
+                  </a:tcPr>
+                </a:tc>
+                <a:extLst>
+                  <a:ext uri="{0D108BD9-81ED-4DB2-BD59-A6C34878D82A}">
+                    <a16:rowId xmlns:a16="http://schemas.microsoft.com/office/drawing/2014/main" val="1924402624"/>
+                  </a:ext>
+                </a:extLst>
+              </a:tr>
+              <a:tr h="548640">
+                <a:tc>
+                  <a:txBody>
+                    <a:bodyPr/>
+                    <a:lstStyle/>
+                    <a:p>
+                      <a:pPr>
+                        <a:lnSpc>
+                          <a:spcPct val="100000"/>
+                        </a:lnSpc>
+                        <a:spcAft>
+                          <a:spcPts val="0"/>
+                        </a:spcAft>
+                      </a:pPr>
+                      <a:r>
+                        <a:rPr lang="en-US" sz="2000" dirty="0">
+                          <a:solidFill>
+                            <a:schemeClr val="bg1">
+                              <a:lumMod val="65000"/>
+                            </a:schemeClr>
+                          </a:solidFill>
+                        </a:rPr>
+                        <a:t>NetworkX</a:t>
+                      </a:r>
+                    </a:p>
+                  </a:txBody>
+                  <a:tcPr anchor="ctr">
+                    <a:lnT w="12700" cap="flat" cmpd="sng" algn="ctr">
+                      <a:solidFill>
+                        <a:schemeClr val="bg1">
+                          <a:lumMod val="65000"/>
+                        </a:schemeClr>
+                      </a:solidFill>
+                      <a:prstDash val="solid"/>
+                      <a:round/>
+                      <a:headEnd type="none" w="med" len="med"/>
+                      <a:tailEnd type="none" w="med" len="med"/>
+                    </a:lnT>
+                    <a:lnB w="12700" cap="flat" cmpd="sng" algn="ctr">
+                      <a:solidFill>
+                        <a:schemeClr val="bg1">
+                          <a:lumMod val="65000"/>
+                        </a:schemeClr>
+                      </a:solidFill>
+                      <a:prstDash val="solid"/>
+                      <a:round/>
+                      <a:headEnd type="none" w="med" len="med"/>
+                      <a:tailEnd type="none" w="med" len="med"/>
+                    </a:lnB>
+                    <a:noFill/>
+                  </a:tcPr>
+                </a:tc>
+                <a:extLst>
+                  <a:ext uri="{0D108BD9-81ED-4DB2-BD59-A6C34878D82A}">
+                    <a16:rowId xmlns:a16="http://schemas.microsoft.com/office/drawing/2014/main" val="2634114360"/>
+                  </a:ext>
+                </a:extLst>
+              </a:tr>
+              <a:tr h="548640">
+                <a:tc>
+                  <a:txBody>
+                    <a:bodyPr/>
+                    <a:lstStyle/>
+                    <a:p>
+                      <a:pPr>
+                        <a:lnSpc>
+                          <a:spcPct val="100000"/>
+                        </a:lnSpc>
+                        <a:spcAft>
+                          <a:spcPts val="0"/>
+                        </a:spcAft>
+                      </a:pPr>
+                      <a:r>
+                        <a:rPr lang="en-US" sz="2000" dirty="0">
+                          <a:solidFill>
+                            <a:schemeClr val="bg1">
+                              <a:lumMod val="65000"/>
+                            </a:schemeClr>
+                          </a:solidFill>
+                        </a:rPr>
+                        <a:t>Chapter Summary</a:t>
+                      </a:r>
+                    </a:p>
+                  </a:txBody>
+                  <a:tcPr anchor="ctr">
+                    <a:lnT w="12700" cap="flat" cmpd="sng" algn="ctr">
+                      <a:solidFill>
+                        <a:schemeClr val="bg1">
+                          <a:lumMod val="65000"/>
+                        </a:schemeClr>
+                      </a:solidFill>
+                      <a:prstDash val="solid"/>
+                      <a:round/>
+                      <a:headEnd type="none" w="med" len="med"/>
+                      <a:tailEnd type="none" w="med" len="med"/>
+                    </a:lnT>
+                    <a:lnB w="12700" cap="flat" cmpd="sng" algn="ctr">
+                      <a:solidFill>
+                        <a:schemeClr val="bg1">
+                          <a:lumMod val="65000"/>
+                        </a:schemeClr>
+                      </a:solidFill>
+                      <a:prstDash val="solid"/>
+                      <a:round/>
+                      <a:headEnd type="none" w="med" len="med"/>
+                      <a:tailEnd type="none" w="med" len="med"/>
+                    </a:lnB>
+                    <a:noFill/>
+                  </a:tcPr>
+                </a:tc>
+                <a:extLst>
+                  <a:ext uri="{0D108BD9-81ED-4DB2-BD59-A6C34878D82A}">
+                    <a16:rowId xmlns:a16="http://schemas.microsoft.com/office/drawing/2014/main" val="376303497"/>
+                  </a:ext>
+                </a:extLst>
+              </a:tr>
+            </a:tbl>
+          </a:graphicData>
+        </a:graphic>
+      </p:graphicFrame>
     </p:spTree>
     <p:extLst>
       <p:ext uri="{BB962C8B-B14F-4D97-AF65-F5344CB8AC3E}">
@@ -9705,7 +9138,7 @@
           <a:p>
             <a:r>
               <a:rPr lang="en-US" dirty="0"/>
-              <a:t>Once data is encoded in a graph database format it is able to be queried in ways that would be difficult and time consuming in a relational database</a:t>
+              <a:t>Once data is encoded in a graph database format, it is able to be queried in ways that would be difficult and time consuming in a relational database</a:t>
             </a:r>
           </a:p>
           <a:p>
@@ -9718,28 +9151,28 @@
             <a:pPr lvl="1"/>
             <a:r>
               <a:rPr lang="en-US" dirty="0"/>
-              <a:t>network and social analysis</a:t>
+              <a:t>Network and social analysis</a:t>
             </a:r>
           </a:p>
           <a:p>
             <a:pPr lvl="1"/>
             <a:r>
               <a:rPr lang="en-US" dirty="0"/>
-              <a:t>fraud detection</a:t>
+              <a:t>Fraud detection</a:t>
             </a:r>
           </a:p>
           <a:p>
             <a:pPr lvl="1"/>
             <a:r>
               <a:rPr lang="en-US" dirty="0"/>
-              <a:t>supply chain transparency</a:t>
+              <a:t>Supply chain transparency</a:t>
             </a:r>
           </a:p>
           <a:p>
             <a:pPr lvl="1"/>
             <a:r>
               <a:rPr lang="en-US" dirty="0"/>
-              <a:t>infrastructure monitoring</a:t>
+              <a:t>Infrastructure monitoring</a:t>
             </a:r>
           </a:p>
           <a:p>
@@ -9829,21 +9262,21 @@
             <a:pPr lvl="1"/>
             <a:r>
               <a:rPr lang="en-US" dirty="0"/>
-              <a:t>can store any data you like as a key value pair</a:t>
+              <a:t>Can store any data you like as a key-value pair</a:t>
             </a:r>
           </a:p>
           <a:p>
             <a:pPr lvl="1"/>
             <a:r>
               <a:rPr lang="en-US" dirty="0"/>
-              <a:t>much like JSON or Python dictionaries</a:t>
+              <a:t>Much like JSON or Python dictionaries</a:t>
             </a:r>
           </a:p>
           <a:p>
             <a:pPr lvl="1"/>
             <a:r>
               <a:rPr lang="en-US" dirty="0"/>
-              <a:t>not all nodes have to have the same data</a:t>
+              <a:t>Not all nodes have to have the same data</a:t>
             </a:r>
           </a:p>
           <a:p>
@@ -9856,21 +9289,21 @@
             <a:pPr lvl="1"/>
             <a:r>
               <a:rPr lang="en-US" dirty="0"/>
-              <a:t>edges themselves can have additional data just like a node</a:t>
+              <a:t>Edges themselves can have additional data, just like a node</a:t>
             </a:r>
           </a:p>
           <a:p>
             <a:pPr lvl="1"/>
             <a:r>
               <a:rPr lang="en-US" dirty="0"/>
-              <a:t>a common data element found in an edge is weight, indicating how strong a relationship there is between the two nodes</a:t>
+              <a:t>A common data element found in an edge is weight, indicating how strong a relationship there is between the two nodes</a:t>
             </a:r>
           </a:p>
           <a:p>
             <a:pPr lvl="1"/>
             <a:r>
               <a:rPr lang="en-US" dirty="0"/>
-              <a:t>edges can be directed or undirected, meaning they flow one way or both ways</a:t>
+              <a:t>Edges can be directed or undirected, meaning they flow one way or both ways</a:t>
             </a:r>
           </a:p>
         </p:txBody>
@@ -9951,91 +9384,91 @@
             <a:pPr lvl="1"/>
             <a:r>
               <a:rPr lang="en-US" dirty="0"/>
-              <a:t>egocentric answer questions about particular nodes</a:t>
+              <a:t>Egocentric answers questions about particular nodes</a:t>
             </a:r>
           </a:p>
           <a:p>
             <a:pPr lvl="2"/>
             <a:r>
               <a:rPr lang="en-US" dirty="0"/>
-              <a:t>how many other nodes does it connect to</a:t>
+              <a:t>How many other nodes does it connect to?</a:t>
             </a:r>
           </a:p>
           <a:p>
             <a:pPr lvl="2"/>
             <a:r>
               <a:rPr lang="en-US" dirty="0"/>
-              <a:t>how important is the node</a:t>
+              <a:t>How important is the node?</a:t>
             </a:r>
           </a:p>
           <a:p>
             <a:pPr lvl="2"/>
             <a:r>
               <a:rPr lang="en-US" dirty="0"/>
-              <a:t>is it centrally located or near the borders</a:t>
+              <a:t>Is it centrally located or near the borders?</a:t>
             </a:r>
           </a:p>
           <a:p>
             <a:pPr lvl="2"/>
             <a:r>
               <a:rPr lang="en-US" dirty="0"/>
-              <a:t>what other types of nodes is it connected to </a:t>
+              <a:t>What other types of nodes is it connected to?</a:t>
             </a:r>
           </a:p>
           <a:p>
             <a:pPr lvl="2"/>
             <a:r>
               <a:rPr lang="en-US" dirty="0"/>
-              <a:t>how far is it from one node to another</a:t>
+              <a:t>How far is it from one node to another?</a:t>
             </a:r>
           </a:p>
           <a:p>
             <a:pPr lvl="2"/>
             <a:r>
               <a:rPr lang="en-US" dirty="0"/>
-              <a:t>what is the shortest path between two particular nodes</a:t>
+              <a:t>What is the shortest path between two particular nodes?</a:t>
             </a:r>
           </a:p>
           <a:p>
             <a:pPr lvl="1"/>
             <a:r>
               <a:rPr lang="en-US" dirty="0"/>
-              <a:t>sociocentric answer questions about the network as a whole</a:t>
+              <a:t>Sociocentric answers questions about the network as a whole</a:t>
             </a:r>
           </a:p>
           <a:p>
             <a:pPr lvl="2"/>
             <a:r>
               <a:rPr lang="en-US" dirty="0"/>
-              <a:t>are there particular combinations of nodes that are more important</a:t>
+              <a:t>Are there particular combinations of nodes that are more important?</a:t>
             </a:r>
           </a:p>
           <a:p>
             <a:pPr lvl="2"/>
             <a:r>
               <a:rPr lang="en-US" dirty="0"/>
-              <a:t>are there natural clusters or communities within the network</a:t>
+              <a:t>Are there natural clusters or communities within the network?</a:t>
             </a:r>
           </a:p>
           <a:p>
             <a:pPr lvl="2"/>
             <a:r>
               <a:rPr lang="en-US" dirty="0"/>
-              <a:t>are there bottlenecks that could break down the network if they fail</a:t>
+              <a:t>Are there bottlenecks that could break down the network if they fail?</a:t>
             </a:r>
           </a:p>
           <a:p>
             <a:pPr lvl="2"/>
             <a:r>
               <a:rPr lang="en-US" dirty="0"/>
-              <a:t>where could we add additional connections to facilitate a more robust network or better connectivity between nodes</a:t>
+              <a:t>Where could we add additional connections to facilitate a more robust network or better connectivity between nodes?</a:t>
             </a:r>
           </a:p>
           <a:p>
             <a:pPr lvl="2"/>
             <a:r>
               <a:rPr lang="en-US" dirty="0"/>
-              <a:t>do nodes tend to connect to other similar nodes</a:t>
+              <a:t>Do nodes tend to connect to other similar nodes?</a:t>
             </a:r>
           </a:p>
           <a:p>
@@ -10098,42 +9531,6 @@
       </p:grpSpPr>
       <p:sp>
         <p:nvSpPr>
-          <p:cNvPr id="3" name="Text Placeholder 2"/>
-          <p:cNvSpPr>
-            <a:spLocks noGrp="1"/>
-          </p:cNvSpPr>
-          <p:nvPr>
-            <p:ph type="body" sz="quarter" idx="11"/>
-          </p:nvPr>
-        </p:nvSpPr>
-        <p:spPr/>
-        <p:txBody>
-          <a:bodyPr/>
-          <a:lstStyle/>
-          <a:p>
-            <a:r>
-              <a:rPr lang="en-US" dirty="0"/>
-              <a:t>Graph Databases</a:t>
-            </a:r>
-          </a:p>
-          <a:p>
-            <a:r>
-              <a:rPr lang="en-US" b="1" dirty="0" err="1"/>
-              <a:t>NetworkX</a:t>
-            </a:r>
-            <a:endParaRPr lang="en-US" b="1" dirty="0"/>
-          </a:p>
-          <a:p>
-            <a:pPr lvl="1"/>
-            <a:r>
-              <a:rPr lang="en-US" dirty="0"/>
-              <a:t>Chapter Summary</a:t>
-            </a:r>
-          </a:p>
-        </p:txBody>
-      </p:sp>
-      <p:sp>
-        <p:nvSpPr>
           <p:cNvPr id="2" name="Title 1"/>
           <p:cNvSpPr>
             <a:spLocks noGrp="1"/>
@@ -10154,361 +9551,221 @@
           </a:p>
         </p:txBody>
       </p:sp>
-      <p:grpSp>
-        <p:nvGrpSpPr>
-          <p:cNvPr id="13" name="Group 12"/>
-          <p:cNvGrpSpPr/>
-          <p:nvPr/>
-        </p:nvGrpSpPr>
-        <p:grpSpPr>
-          <a:xfrm>
-            <a:off x="2932771" y="2332165"/>
-            <a:ext cx="410322" cy="377482"/>
-            <a:chOff x="1766887" y="1515010"/>
-            <a:chExt cx="741316" cy="700622"/>
-          </a:xfrm>
-          <a:solidFill>
-            <a:schemeClr val="accent4"/>
-          </a:solidFill>
-          <a:scene3d>
-            <a:camera prst="orthographicFront">
-              <a:rot lat="0" lon="0" rev="0"/>
-            </a:camera>
-            <a:lightRig rig="balanced" dir="t">
-              <a:rot lat="0" lon="0" rev="8700000"/>
-            </a:lightRig>
-          </a:scene3d>
-        </p:grpSpPr>
-        <p:sp>
-          <p:nvSpPr>
-            <p:cNvPr id="16" name="AutoShape 10"/>
-            <p:cNvSpPr>
-              <a:spLocks noChangeArrowheads="1"/>
-            </p:cNvSpPr>
-            <p:nvPr/>
-          </p:nvSpPr>
-          <p:spPr bwMode="black">
-            <a:xfrm rot="5400000">
-              <a:off x="1787234" y="1494663"/>
-              <a:ext cx="700622" cy="741316"/>
-            </a:xfrm>
-            <a:custGeom>
-              <a:avLst/>
-              <a:gdLst>
-                <a:gd name="connsiteX0" fmla="*/ 0 w 264955"/>
-                <a:gd name="connsiteY0" fmla="*/ 311498 h 311498"/>
-                <a:gd name="connsiteX1" fmla="*/ 132478 w 264955"/>
-                <a:gd name="connsiteY1" fmla="*/ 0 h 311498"/>
-                <a:gd name="connsiteX2" fmla="*/ 264955 w 264955"/>
-                <a:gd name="connsiteY2" fmla="*/ 311498 h 311498"/>
-                <a:gd name="connsiteX3" fmla="*/ 0 w 264955"/>
-                <a:gd name="connsiteY3" fmla="*/ 311498 h 311498"/>
-                <a:gd name="connsiteX0" fmla="*/ 0 w 264955"/>
-                <a:gd name="connsiteY0" fmla="*/ 311498 h 312908"/>
-                <a:gd name="connsiteX1" fmla="*/ 132478 w 264955"/>
-                <a:gd name="connsiteY1" fmla="*/ 0 h 312908"/>
-                <a:gd name="connsiteX2" fmla="*/ 264955 w 264955"/>
-                <a:gd name="connsiteY2" fmla="*/ 311498 h 312908"/>
-                <a:gd name="connsiteX3" fmla="*/ 124553 w 264955"/>
-                <a:gd name="connsiteY3" fmla="*/ 312908 h 312908"/>
-                <a:gd name="connsiteX4" fmla="*/ 0 w 264955"/>
-                <a:gd name="connsiteY4" fmla="*/ 311498 h 312908"/>
-                <a:gd name="connsiteX0" fmla="*/ 0 w 264955"/>
-                <a:gd name="connsiteY0" fmla="*/ 311498 h 311498"/>
-                <a:gd name="connsiteX1" fmla="*/ 132478 w 264955"/>
-                <a:gd name="connsiteY1" fmla="*/ 0 h 311498"/>
-                <a:gd name="connsiteX2" fmla="*/ 264955 w 264955"/>
-                <a:gd name="connsiteY2" fmla="*/ 311498 h 311498"/>
-                <a:gd name="connsiteX3" fmla="*/ 138844 w 264955"/>
-                <a:gd name="connsiteY3" fmla="*/ 253377 h 311498"/>
-                <a:gd name="connsiteX4" fmla="*/ 0 w 264955"/>
-                <a:gd name="connsiteY4" fmla="*/ 311498 h 311498"/>
-              </a:gdLst>
-              <a:ahLst/>
-              <a:cxnLst>
-                <a:cxn ang="0">
-                  <a:pos x="connsiteX0" y="connsiteY0"/>
-                </a:cxn>
-                <a:cxn ang="0">
-                  <a:pos x="connsiteX1" y="connsiteY1"/>
-                </a:cxn>
-                <a:cxn ang="0">
-                  <a:pos x="connsiteX2" y="connsiteY2"/>
-                </a:cxn>
-                <a:cxn ang="0">
-                  <a:pos x="connsiteX3" y="connsiteY3"/>
-                </a:cxn>
-                <a:cxn ang="0">
-                  <a:pos x="connsiteX4" y="connsiteY4"/>
-                </a:cxn>
-              </a:cxnLst>
-              <a:rect l="l" t="t" r="r" b="b"/>
-              <a:pathLst>
-                <a:path w="264955" h="311498">
-                  <a:moveTo>
-                    <a:pt x="0" y="311498"/>
-                  </a:moveTo>
-                  <a:lnTo>
-                    <a:pt x="132478" y="0"/>
-                  </a:lnTo>
-                  <a:lnTo>
-                    <a:pt x="264955" y="311498"/>
-                  </a:lnTo>
-                  <a:lnTo>
-                    <a:pt x="138844" y="253377"/>
-                  </a:lnTo>
-                  <a:lnTo>
-                    <a:pt x="0" y="311498"/>
-                  </a:lnTo>
-                  <a:close/>
-                </a:path>
-              </a:pathLst>
-            </a:custGeom>
-            <a:grpFill/>
-            <a:ln w="19050">
-              <a:noFill/>
-              <a:miter lim="800000"/>
-              <a:headEnd/>
-              <a:tailEnd/>
-            </a:ln>
-            <a:effectLst>
-              <a:outerShdw blurRad="44450" dist="27940" dir="5400000" algn="ctr">
-                <a:srgbClr val="000000">
-                  <a:alpha val="32000"/>
-                </a:srgbClr>
-              </a:outerShdw>
-            </a:effectLst>
-            <a:sp3d>
-              <a:bevelT w="190500" h="38100"/>
-            </a:sp3d>
-          </p:spPr>
-          <p:txBody>
-            <a:bodyPr rot="10800000" vert="eaVert" wrap="none" anchor="ctr"/>
-            <a:lstStyle/>
-            <a:p>
-              <a:endParaRPr lang="en-GB" dirty="0">
-                <a:solidFill>
-                  <a:schemeClr val="accent6"/>
-                </a:solidFill>
-              </a:endParaRPr>
-            </a:p>
-          </p:txBody>
-        </p:sp>
-        <p:sp>
-          <p:nvSpPr>
-            <p:cNvPr id="17" name="Freeform 11"/>
-            <p:cNvSpPr>
-              <a:spLocks/>
-            </p:cNvSpPr>
-            <p:nvPr/>
-          </p:nvSpPr>
-          <p:spPr bwMode="hidden">
-            <a:xfrm>
-              <a:off x="1802606" y="1545430"/>
-              <a:ext cx="701117" cy="344477"/>
-            </a:xfrm>
-            <a:custGeom>
-              <a:avLst/>
-              <a:gdLst>
-                <a:gd name="T0" fmla="*/ 0 w 245"/>
-                <a:gd name="T1" fmla="*/ 0 h 158"/>
-                <a:gd name="T2" fmla="*/ 245 w 245"/>
-                <a:gd name="T3" fmla="*/ 146 h 158"/>
-                <a:gd name="T4" fmla="*/ 226 w 245"/>
-                <a:gd name="T5" fmla="*/ 158 h 158"/>
-                <a:gd name="T6" fmla="*/ 0 w 245"/>
-                <a:gd name="T7" fmla="*/ 23 h 158"/>
-                <a:gd name="T8" fmla="*/ 0 w 245"/>
-                <a:gd name="T9" fmla="*/ 0 h 158"/>
-                <a:gd name="T10" fmla="*/ 0 60000 65536"/>
-                <a:gd name="T11" fmla="*/ 0 60000 65536"/>
-                <a:gd name="T12" fmla="*/ 0 60000 65536"/>
-                <a:gd name="T13" fmla="*/ 0 60000 65536"/>
-                <a:gd name="T14" fmla="*/ 0 60000 65536"/>
-                <a:gd name="T15" fmla="*/ 0 w 245"/>
-                <a:gd name="T16" fmla="*/ 0 h 158"/>
-                <a:gd name="T17" fmla="*/ 245 w 245"/>
-                <a:gd name="T18" fmla="*/ 158 h 158"/>
-              </a:gdLst>
-              <a:ahLst/>
-              <a:cxnLst>
-                <a:cxn ang="T10">
-                  <a:pos x="T0" y="T1"/>
-                </a:cxn>
-                <a:cxn ang="T11">
-                  <a:pos x="T2" y="T3"/>
-                </a:cxn>
-                <a:cxn ang="T12">
-                  <a:pos x="T4" y="T5"/>
-                </a:cxn>
-                <a:cxn ang="T13">
-                  <a:pos x="T6" y="T7"/>
-                </a:cxn>
-                <a:cxn ang="T14">
-                  <a:pos x="T8" y="T9"/>
-                </a:cxn>
-              </a:cxnLst>
-              <a:rect l="T15" t="T16" r="T17" b="T18"/>
-              <a:pathLst>
-                <a:path w="245" h="158">
-                  <a:moveTo>
-                    <a:pt x="0" y="0"/>
-                  </a:moveTo>
-                  <a:lnTo>
-                    <a:pt x="245" y="146"/>
-                  </a:lnTo>
-                  <a:lnTo>
-                    <a:pt x="226" y="158"/>
-                  </a:lnTo>
-                  <a:lnTo>
-                    <a:pt x="0" y="23"/>
-                  </a:lnTo>
-                  <a:lnTo>
-                    <a:pt x="0" y="0"/>
-                  </a:lnTo>
-                  <a:close/>
-                </a:path>
-              </a:pathLst>
-            </a:custGeom>
-            <a:grpFill/>
-            <a:ln w="28575" cap="flat" cmpd="sng">
-              <a:noFill/>
-              <a:prstDash val="solid"/>
-              <a:round/>
-              <a:headEnd type="none" w="med" len="med"/>
-              <a:tailEnd type="none" w="med" len="med"/>
-            </a:ln>
-            <a:effectLst>
-              <a:outerShdw blurRad="44450" dist="27940" dir="5400000" algn="ctr">
-                <a:srgbClr val="000000">
-                  <a:alpha val="32000"/>
-                </a:srgbClr>
-              </a:outerShdw>
-            </a:effectLst>
-            <a:sp3d>
-              <a:bevelT w="190500" h="38100"/>
-            </a:sp3d>
-          </p:spPr>
-          <p:txBody>
-            <a:bodyPr/>
-            <a:lstStyle/>
-            <a:p>
-              <a:endParaRPr lang="en-US" dirty="0">
-                <a:solidFill>
-                  <a:schemeClr val="accent6"/>
-                </a:solidFill>
-              </a:endParaRPr>
-            </a:p>
-          </p:txBody>
-        </p:sp>
-        <p:sp>
-          <p:nvSpPr>
-            <p:cNvPr id="18" name="Freeform 12"/>
-            <p:cNvSpPr>
-              <a:spLocks/>
-            </p:cNvSpPr>
-            <p:nvPr/>
-          </p:nvSpPr>
-          <p:spPr bwMode="hidden">
-            <a:xfrm>
-              <a:off x="1797843" y="1840589"/>
-              <a:ext cx="710079" cy="357304"/>
-            </a:xfrm>
-            <a:custGeom>
-              <a:avLst/>
-              <a:gdLst>
-                <a:gd name="T0" fmla="*/ 248 w 248"/>
-                <a:gd name="T1" fmla="*/ 12 h 156"/>
-                <a:gd name="T2" fmla="*/ 0 w 248"/>
-                <a:gd name="T3" fmla="*/ 156 h 156"/>
-                <a:gd name="T4" fmla="*/ 3 w 248"/>
-                <a:gd name="T5" fmla="*/ 131 h 156"/>
-                <a:gd name="T6" fmla="*/ 229 w 248"/>
-                <a:gd name="T7" fmla="*/ 0 h 156"/>
-                <a:gd name="T8" fmla="*/ 248 w 248"/>
-                <a:gd name="T9" fmla="*/ 12 h 156"/>
-                <a:gd name="T10" fmla="*/ 0 60000 65536"/>
-                <a:gd name="T11" fmla="*/ 0 60000 65536"/>
-                <a:gd name="T12" fmla="*/ 0 60000 65536"/>
-                <a:gd name="T13" fmla="*/ 0 60000 65536"/>
-                <a:gd name="T14" fmla="*/ 0 60000 65536"/>
-                <a:gd name="T15" fmla="*/ 0 w 248"/>
-                <a:gd name="T16" fmla="*/ 0 h 156"/>
-                <a:gd name="T17" fmla="*/ 248 w 248"/>
-                <a:gd name="T18" fmla="*/ 156 h 156"/>
-              </a:gdLst>
-              <a:ahLst/>
-              <a:cxnLst>
-                <a:cxn ang="T10">
-                  <a:pos x="T0" y="T1"/>
-                </a:cxn>
-                <a:cxn ang="T11">
-                  <a:pos x="T2" y="T3"/>
-                </a:cxn>
-                <a:cxn ang="T12">
-                  <a:pos x="T4" y="T5"/>
-                </a:cxn>
-                <a:cxn ang="T13">
-                  <a:pos x="T6" y="T7"/>
-                </a:cxn>
-                <a:cxn ang="T14">
-                  <a:pos x="T8" y="T9"/>
-                </a:cxn>
-              </a:cxnLst>
-              <a:rect l="T15" t="T16" r="T17" b="T18"/>
-              <a:pathLst>
-                <a:path w="248" h="156">
-                  <a:moveTo>
-                    <a:pt x="248" y="12"/>
-                  </a:moveTo>
-                  <a:lnTo>
-                    <a:pt x="0" y="156"/>
-                  </a:lnTo>
-                  <a:lnTo>
-                    <a:pt x="3" y="131"/>
-                  </a:lnTo>
-                  <a:lnTo>
-                    <a:pt x="229" y="0"/>
-                  </a:lnTo>
-                  <a:lnTo>
-                    <a:pt x="248" y="12"/>
-                  </a:lnTo>
-                  <a:close/>
-                </a:path>
-              </a:pathLst>
-            </a:custGeom>
-            <a:grpFill/>
-            <a:ln w="28575" cap="flat" cmpd="sng">
-              <a:noFill/>
-              <a:prstDash val="solid"/>
-              <a:round/>
-              <a:headEnd type="none" w="med" len="med"/>
-              <a:tailEnd type="none" w="med" len="med"/>
-            </a:ln>
-            <a:effectLst>
-              <a:outerShdw blurRad="44450" dist="27940" dir="5400000" algn="ctr">
-                <a:srgbClr val="000000">
-                  <a:alpha val="32000"/>
-                </a:srgbClr>
-              </a:outerShdw>
-            </a:effectLst>
-            <a:sp3d>
-              <a:bevelT w="190500" h="38100"/>
-            </a:sp3d>
-          </p:spPr>
-          <p:txBody>
-            <a:bodyPr/>
-            <a:lstStyle/>
-            <a:p>
-              <a:endParaRPr lang="en-US" dirty="0">
-                <a:solidFill>
-                  <a:schemeClr val="accent6"/>
-                </a:solidFill>
-              </a:endParaRPr>
-            </a:p>
-          </p:txBody>
-        </p:sp>
-      </p:grpSp>
+      <p:graphicFrame>
+        <p:nvGraphicFramePr>
+          <p:cNvPr id="9" name="Table 8">
+            <a:extLst>
+              <a:ext uri="{FF2B5EF4-FFF2-40B4-BE49-F238E27FC236}">
+                <a16:creationId xmlns:a16="http://schemas.microsoft.com/office/drawing/2014/main" id="{E7C1330D-F1A3-4C13-9357-C86A15B21F5E}"/>
+              </a:ext>
+            </a:extLst>
+          </p:cNvPr>
+          <p:cNvGraphicFramePr>
+            <a:graphicFrameLocks noGrp="1"/>
+          </p:cNvGraphicFramePr>
+          <p:nvPr>
+            <p:extLst>
+              <p:ext uri="{D42A27DB-BD31-4B8C-83A1-F6EECF244321}">
+                <p14:modId xmlns:p14="http://schemas.microsoft.com/office/powerpoint/2010/main" val="3593942454"/>
+              </p:ext>
+            </p:extLst>
+          </p:nvPr>
+        </p:nvGraphicFramePr>
+        <p:xfrm>
+          <a:off x="2880360" y="1447543"/>
+          <a:ext cx="3383280" cy="1645920"/>
+        </p:xfrm>
+        <a:graphic>
+          <a:graphicData uri="http://schemas.openxmlformats.org/drawingml/2006/table">
+            <a:tbl>
+              <a:tblPr>
+                <a:tableStyleId>{00A15C55-8517-42AA-B614-E9B94910E393}</a:tableStyleId>
+              </a:tblPr>
+              <a:tblGrid>
+                <a:gridCol w="3383280">
+                  <a:extLst>
+                    <a:ext uri="{9D8B030D-6E8A-4147-A177-3AD203B41FA5}">
+                      <a16:colId xmlns:a16="http://schemas.microsoft.com/office/drawing/2014/main" val="1695728431"/>
+                    </a:ext>
+                  </a:extLst>
+                </a:gridCol>
+              </a:tblGrid>
+              <a:tr h="548640">
+                <a:tc>
+                  <a:txBody>
+                    <a:bodyPr/>
+                    <a:lstStyle/>
+                    <a:p>
+                      <a:pPr>
+                        <a:lnSpc>
+                          <a:spcPct val="100000"/>
+                        </a:lnSpc>
+                        <a:spcAft>
+                          <a:spcPts val="0"/>
+                        </a:spcAft>
+                      </a:pPr>
+                      <a:r>
+                        <a:rPr lang="en-US" sz="2000" dirty="0">
+                          <a:solidFill>
+                            <a:schemeClr val="bg1">
+                              <a:lumMod val="65000"/>
+                            </a:schemeClr>
+                          </a:solidFill>
+                        </a:rPr>
+                        <a:t>Graph Databases</a:t>
+                      </a:r>
+                    </a:p>
+                  </a:txBody>
+                  <a:tcPr anchor="ctr">
+                    <a:lnT w="12700" cap="flat" cmpd="sng" algn="ctr">
+                      <a:solidFill>
+                        <a:schemeClr val="bg1">
+                          <a:lumMod val="65000"/>
+                        </a:schemeClr>
+                      </a:solidFill>
+                      <a:prstDash val="solid"/>
+                      <a:round/>
+                      <a:headEnd type="none" w="med" len="med"/>
+                      <a:tailEnd type="none" w="med" len="med"/>
+                    </a:lnT>
+                    <a:lnB w="12700" cap="flat" cmpd="sng" algn="ctr">
+                      <a:solidFill>
+                        <a:schemeClr val="bg1">
+                          <a:lumMod val="65000"/>
+                        </a:schemeClr>
+                      </a:solidFill>
+                      <a:prstDash val="solid"/>
+                      <a:round/>
+                      <a:headEnd type="none" w="med" len="med"/>
+                      <a:tailEnd type="none" w="med" len="med"/>
+                    </a:lnB>
+                    <a:noFill/>
+                  </a:tcPr>
+                </a:tc>
+                <a:extLst>
+                  <a:ext uri="{0D108BD9-81ED-4DB2-BD59-A6C34878D82A}">
+                    <a16:rowId xmlns:a16="http://schemas.microsoft.com/office/drawing/2014/main" val="1924402624"/>
+                  </a:ext>
+                </a:extLst>
+              </a:tr>
+              <a:tr h="548640">
+                <a:tc>
+                  <a:txBody>
+                    <a:bodyPr/>
+                    <a:lstStyle/>
+                    <a:p>
+                      <a:pPr>
+                        <a:lnSpc>
+                          <a:spcPct val="100000"/>
+                        </a:lnSpc>
+                        <a:spcAft>
+                          <a:spcPts val="0"/>
+                        </a:spcAft>
+                      </a:pPr>
+                      <a:r>
+                        <a:rPr lang="en-US" sz="2000" b="1" dirty="0">
+                          <a:solidFill>
+                            <a:schemeClr val="tx1"/>
+                          </a:solidFill>
+                        </a:rPr>
+                        <a:t>NetworkX</a:t>
+                      </a:r>
+                    </a:p>
+                  </a:txBody>
+                  <a:tcPr anchor="ctr">
+                    <a:lnT w="12700" cap="flat" cmpd="sng" algn="ctr">
+                      <a:solidFill>
+                        <a:schemeClr val="bg1">
+                          <a:lumMod val="65000"/>
+                        </a:schemeClr>
+                      </a:solidFill>
+                      <a:prstDash val="solid"/>
+                      <a:round/>
+                      <a:headEnd type="none" w="med" len="med"/>
+                      <a:tailEnd type="none" w="med" len="med"/>
+                    </a:lnT>
+                    <a:lnB w="12700" cap="flat" cmpd="sng" algn="ctr">
+                      <a:solidFill>
+                        <a:schemeClr val="bg1">
+                          <a:lumMod val="65000"/>
+                        </a:schemeClr>
+                      </a:solidFill>
+                      <a:prstDash val="solid"/>
+                      <a:round/>
+                      <a:headEnd type="none" w="med" len="med"/>
+                      <a:tailEnd type="none" w="med" len="med"/>
+                    </a:lnB>
+                    <a:noFill/>
+                  </a:tcPr>
+                </a:tc>
+                <a:extLst>
+                  <a:ext uri="{0D108BD9-81ED-4DB2-BD59-A6C34878D82A}">
+                    <a16:rowId xmlns:a16="http://schemas.microsoft.com/office/drawing/2014/main" val="2634114360"/>
+                  </a:ext>
+                </a:extLst>
+              </a:tr>
+              <a:tr h="548640">
+                <a:tc>
+                  <a:txBody>
+                    <a:bodyPr/>
+                    <a:lstStyle/>
+                    <a:p>
+                      <a:pPr>
+                        <a:lnSpc>
+                          <a:spcPct val="100000"/>
+                        </a:lnSpc>
+                        <a:spcAft>
+                          <a:spcPts val="0"/>
+                        </a:spcAft>
+                      </a:pPr>
+                      <a:r>
+                        <a:rPr lang="en-US" sz="2000" dirty="0">
+                          <a:solidFill>
+                            <a:schemeClr val="bg1">
+                              <a:lumMod val="65000"/>
+                            </a:schemeClr>
+                          </a:solidFill>
+                        </a:rPr>
+                        <a:t>Chapter Summary</a:t>
+                      </a:r>
+                    </a:p>
+                  </a:txBody>
+                  <a:tcPr anchor="ctr">
+                    <a:lnT w="12700" cap="flat" cmpd="sng" algn="ctr">
+                      <a:solidFill>
+                        <a:schemeClr val="bg1">
+                          <a:lumMod val="65000"/>
+                        </a:schemeClr>
+                      </a:solidFill>
+                      <a:prstDash val="solid"/>
+                      <a:round/>
+                      <a:headEnd type="none" w="med" len="med"/>
+                      <a:tailEnd type="none" w="med" len="med"/>
+                    </a:lnT>
+                    <a:lnB w="12700" cap="flat" cmpd="sng" algn="ctr">
+                      <a:solidFill>
+                        <a:schemeClr val="bg1">
+                          <a:lumMod val="65000"/>
+                        </a:schemeClr>
+                      </a:solidFill>
+                      <a:prstDash val="solid"/>
+                      <a:round/>
+                      <a:headEnd type="none" w="med" len="med"/>
+                      <a:tailEnd type="none" w="med" len="med"/>
+                    </a:lnB>
+                    <a:noFill/>
+                  </a:tcPr>
+                </a:tc>
+                <a:extLst>
+                  <a:ext uri="{0D108BD9-81ED-4DB2-BD59-A6C34878D82A}">
+                    <a16:rowId xmlns:a16="http://schemas.microsoft.com/office/drawing/2014/main" val="376303497"/>
+                  </a:ext>
+                </a:extLst>
+              </a:tr>
+            </a:tbl>
+          </a:graphicData>
+        </a:graphic>
+      </p:graphicFrame>
     </p:spTree>
     <p:extLst>
       <p:ext uri="{BB962C8B-B14F-4D97-AF65-F5344CB8AC3E}">
@@ -10563,35 +9820,27 @@
             <a:pPr lvl="1"/>
             <a:r>
               <a:rPr lang="en-US" dirty="0"/>
-              <a:t>Neo4J is a full fledged database cluster for storing and manipulating large graph databases</a:t>
+              <a:t>Neo4J is a full-fledged database cluster for storing and manipulating large graph databases</a:t>
             </a:r>
           </a:p>
           <a:p>
             <a:pPr lvl="1"/>
             <a:r>
-              <a:rPr lang="en-US" dirty="0" err="1"/>
-              <a:t>NetworkX</a:t>
-            </a:r>
-            <a:r>
               <a:rPr lang="en-US" dirty="0"/>
-              <a:t> is a Python library that has a lot of features and is suitable for running queries on data that may be stored in regular places such as text files </a:t>
+              <a:t>NetworkX is a Python library that has a lot of features and is suitable for running queries on data that may be stored in regular places, such as text files </a:t>
             </a:r>
           </a:p>
           <a:p>
             <a:pPr lvl="1"/>
             <a:r>
-              <a:rPr lang="en-US" dirty="0" err="1"/>
-              <a:t>GraphX</a:t>
-            </a:r>
-            <a:r>
               <a:rPr lang="en-US" dirty="0"/>
-              <a:t> is a Spark library that can be used with Python, Scala and Java and works on a cluster to handle larger datasets</a:t>
+              <a:t>GraphX is a Spark library that can be used with Python, Scala, and Java and works on a cluster to handle larger datasets</a:t>
             </a:r>
           </a:p>
           <a:p>
             <a:r>
               <a:rPr lang="en-US" dirty="0"/>
-              <a:t>All use the same concepts and terminologies and can solve the same problems, they just use different syntax to do it</a:t>
+              <a:t>All use the same concepts and terminologies and can solve the same problems—they just use different syntax to do it</a:t>
             </a:r>
           </a:p>
         </p:txBody>
@@ -10665,7 +9914,7 @@
           <a:p>
             <a:r>
               <a:rPr lang="en-US" dirty="0"/>
-              <a:t>Easy to use Python package that supports creating in memory graph databases that can be analyzed</a:t>
+              <a:t>Easy to use Python package that supports creating in-memory graph databases that can be analyzed</a:t>
             </a:r>
           </a:p>
           <a:p>
@@ -10714,10 +9963,9 @@
           <a:lstStyle/>
           <a:p>
             <a:r>
-              <a:rPr lang="en-US" dirty="0" err="1"/>
+              <a:rPr lang="en-US" dirty="0"/>
               <a:t>NetworkX</a:t>
             </a:r>
-            <a:endParaRPr lang="en-US" dirty="0"/>
           </a:p>
         </p:txBody>
       </p:sp>
@@ -10736,7 +9984,7 @@
           <p:nvPr/>
         </p:nvPicPr>
         <p:blipFill>
-          <a:blip r:embed="rId3">
+          <a:blip r:embed="rId3" cstate="print">
             <a:extLst>
               <a:ext uri="{28A0092B-C50C-407E-A947-70E740481C1C}">
                 <a14:useLocalDpi xmlns:a14="http://schemas.microsoft.com/office/drawing/2010/main" val="0"/>
@@ -10749,7 +9997,7 @@
         </p:blipFill>
         <p:spPr>
           <a:xfrm>
-            <a:off x="5082394" y="2560319"/>
+            <a:off x="5274418" y="2385908"/>
             <a:ext cx="3518681" cy="2612027"/>
           </a:xfrm>
           <a:prstGeom prst="rect">
@@ -10771,7 +10019,7 @@
         </p:nvSpPr>
         <p:spPr>
           <a:xfrm>
-            <a:off x="688422" y="3602685"/>
+            <a:off x="917022" y="3758133"/>
             <a:ext cx="5581749" cy="2062103"/>
           </a:xfrm>
           <a:prstGeom prst="rect">
@@ -10908,103 +10156,41 @@
           <a:p>
             <a:r>
               <a:rPr lang="en-US" sz="1600" b="1" dirty="0"/>
-              <a:t>pip install </a:t>
-            </a:r>
-            <a:r>
-              <a:rPr lang="en-US" sz="1600" b="1" dirty="0" err="1"/>
-              <a:t>networkx</a:t>
-            </a:r>
+              <a:t>pip install networkx</a:t>
+            </a:r>
+          </a:p>
+          <a:p>
             <a:endParaRPr lang="en-US" sz="1600" b="1" dirty="0"/>
           </a:p>
           <a:p>
-            <a:endParaRPr lang="en-US" sz="1600" b="1" dirty="0"/>
-          </a:p>
-          <a:p>
             <a:r>
               <a:rPr lang="en-US" sz="1600" b="1" dirty="0"/>
-              <a:t>import </a:t>
-            </a:r>
-            <a:r>
-              <a:rPr lang="en-US" sz="1600" b="1" dirty="0" err="1"/>
-              <a:t>networkx</a:t>
-            </a:r>
+              <a:t>import networkx as nx</a:t>
+            </a:r>
+          </a:p>
+          <a:p>
             <a:r>
               <a:rPr lang="en-US" sz="1600" b="1" dirty="0"/>
-              <a:t> as </a:t>
-            </a:r>
-            <a:r>
-              <a:rPr lang="en-US" sz="1600" b="1" dirty="0" err="1"/>
-              <a:t>nx</a:t>
-            </a:r>
-            <a:endParaRPr lang="en-US" sz="1600" b="1" dirty="0"/>
-          </a:p>
-          <a:p>
-            <a:r>
-              <a:rPr lang="en-US" sz="1600" b="1" dirty="0" err="1"/>
-              <a:t>G_names</a:t>
-            </a:r>
+              <a:t>G_names = nx.Graph()</a:t>
+            </a:r>
+          </a:p>
+          <a:p>
             <a:r>
               <a:rPr lang="en-US" sz="1600" b="1" dirty="0"/>
-              <a:t> = </a:t>
-            </a:r>
-            <a:r>
-              <a:rPr lang="en-US" sz="1600" b="1" dirty="0" err="1"/>
-              <a:t>nx.Graph</a:t>
-            </a:r>
-            <a:r>
-              <a:rPr lang="en-US" sz="1600" b="1" dirty="0"/>
-              <a:t>()</a:t>
-            </a:r>
-          </a:p>
-          <a:p>
-            <a:r>
-              <a:rPr lang="en-US" sz="1600" b="1" dirty="0" err="1"/>
-              <a:t>G_names.add_edges_from</a:t>
-            </a:r>
-            <a:r>
-              <a:rPr lang="en-US" sz="1600" b="1" dirty="0"/>
-              <a:t>([("Joe", "Mary"), \ ("Joe", "Frank"), ("Sue", "Frank"), \</a:t>
+              <a:t>G_names.add_edges_from([("Joe", "Mary"), \ ("Joe", "Frank"), ("Sue", "Frank"), \</a:t>
             </a:r>
             <a:br>
               <a:rPr lang="en-US" sz="1600" b="1" dirty="0"/>
             </a:br>
             <a:r>
               <a:rPr lang="en-US" sz="1600" b="1" dirty="0"/>
-              <a:t>("Sam", "Joe"), ("</a:t>
-            </a:r>
-            <a:r>
-              <a:rPr lang="en-US" sz="1600" b="1" dirty="0" err="1"/>
-              <a:t>Sue","Sam</a:t>
-            </a:r>
+              <a:t>("Sam", "Joe"), ("Sue","Sam")])  </a:t>
+            </a:r>
+          </a:p>
+          <a:p>
             <a:r>
               <a:rPr lang="en-US" sz="1600" b="1" dirty="0"/>
-              <a:t>")])  </a:t>
-            </a:r>
-          </a:p>
-          <a:p>
-            <a:r>
-              <a:rPr lang="en-US" sz="1600" b="1" dirty="0" err="1"/>
-              <a:t>nx.draw_networkx</a:t>
-            </a:r>
-            <a:r>
-              <a:rPr lang="en-US" sz="1600" b="1" dirty="0"/>
-              <a:t>(</a:t>
-            </a:r>
-            <a:r>
-              <a:rPr lang="en-US" sz="1600" b="1" dirty="0" err="1"/>
-              <a:t>G_names</a:t>
-            </a:r>
-            <a:r>
-              <a:rPr lang="en-US" sz="1600" b="1" dirty="0"/>
-              <a:t>, </a:t>
-            </a:r>
-            <a:r>
-              <a:rPr lang="en-US" sz="1600" b="1" dirty="0" err="1"/>
-              <a:t>node_size</a:t>
-            </a:r>
-            <a:r>
-              <a:rPr lang="en-US" sz="1600" b="1" dirty="0"/>
-              <a:t> = 1000) </a:t>
+              <a:t>nx.draw_networkx(G_names, node_size = 1000) </a:t>
             </a:r>
             <a:endParaRPr lang="en-US" sz="1600" dirty="0">
               <a:latin typeface="Courier New" charset="0"/>
@@ -12230,18 +11416,18 @@
 </file>
 
 <file path=customXml/item1.xml><?xml version="1.0" encoding="utf-8"?>
+<p:properties xmlns:p="http://schemas.microsoft.com/office/2006/metadata/properties" xmlns:xsi="http://www.w3.org/2001/XMLSchema-instance" xmlns:pc="http://schemas.microsoft.com/office/infopath/2007/PartnerControls">
+  <documentManagement/>
+</p:properties>
+</file>
+
+<file path=customXml/item2.xml><?xml version="1.0" encoding="utf-8"?>
 <?mso-contentType ?>
 <FormTemplates xmlns="http://schemas.microsoft.com/sharepoint/v3/contenttype/forms">
   <Display>DocumentLibraryForm</Display>
   <Edit>DocumentLibraryForm</Edit>
   <New>DocumentLibraryForm</New>
 </FormTemplates>
-</file>
-
-<file path=customXml/item2.xml><?xml version="1.0" encoding="utf-8"?>
-<p:properties xmlns:p="http://schemas.microsoft.com/office/2006/metadata/properties" xmlns:xsi="http://www.w3.org/2001/XMLSchema-instance" xmlns:pc="http://schemas.microsoft.com/office/infopath/2007/PartnerControls">
-  <documentManagement/>
-</p:properties>
 </file>
 
 <file path=customXml/item3.xml><?xml version="1.0" encoding="utf-8"?>
@@ -12397,18 +11583,18 @@
 </file>
 
 <file path=customXml/itemProps1.xml><?xml version="1.0" encoding="utf-8"?>
-<ds:datastoreItem xmlns:ds="http://schemas.openxmlformats.org/officeDocument/2006/customXml" ds:itemID="{2DA015F3-603C-4688-A5F3-81D587DAB8C9}">
+<ds:datastoreItem xmlns:ds="http://schemas.openxmlformats.org/officeDocument/2006/customXml" ds:itemID="{F47B9207-CE5C-49AD-B414-15CBFA246D65}">
   <ds:schemaRefs>
-    <ds:schemaRef ds:uri="http://schemas.microsoft.com/sharepoint/v3/contenttype/forms"/>
+    <ds:schemaRef ds:uri="http://schemas.microsoft.com/office/2006/metadata/properties"/>
+    <ds:schemaRef ds:uri="http://schemas.microsoft.com/office/infopath/2007/PartnerControls"/>
   </ds:schemaRefs>
 </ds:datastoreItem>
 </file>
 
 <file path=customXml/itemProps2.xml><?xml version="1.0" encoding="utf-8"?>
-<ds:datastoreItem xmlns:ds="http://schemas.openxmlformats.org/officeDocument/2006/customXml" ds:itemID="{F47B9207-CE5C-49AD-B414-15CBFA246D65}">
+<ds:datastoreItem xmlns:ds="http://schemas.openxmlformats.org/officeDocument/2006/customXml" ds:itemID="{2DA015F3-603C-4688-A5F3-81D587DAB8C9}">
   <ds:schemaRefs>
-    <ds:schemaRef ds:uri="http://schemas.microsoft.com/office/2006/metadata/properties"/>
-    <ds:schemaRef ds:uri="http://schemas.microsoft.com/office/infopath/2007/PartnerControls"/>
+    <ds:schemaRef ds:uri="http://schemas.microsoft.com/sharepoint/v3/contenttype/forms"/>
   </ds:schemaRefs>
 </ds:datastoreItem>
 </file>
